--- a/Presentations/Mid Semester Review/Individual_Slides/Bryce/Slide template.pptx
+++ b/Presentations/Mid Semester Review/Individual_Slides/Bryce/Slide template.pptx
@@ -6,6 +6,9 @@
   </p:sldMasterIdLst>
   <p:sldIdLst>
     <p:sldId id="256" r:id="rId2"/>
+    <p:sldId id="259" r:id="rId3"/>
+    <p:sldId id="258" r:id="rId4"/>
+    <p:sldId id="257" r:id="rId5"/>
   </p:sldIdLst>
   <p:sldSz cx="9144000" cy="6858000" type="screen4x3"/>
   <p:notesSz cx="6858000" cy="9144000"/>
@@ -104,6 +107,22 @@
       </a:defRPr>
     </a:lvl9pPr>
   </p:defaultTextStyle>
+  <p:extLst>
+    <p:ext uri="{EFAFB233-063F-42B5-8137-9DF3F51BA10A}">
+      <p15:sldGuideLst xmlns:p15="http://schemas.microsoft.com/office/powerpoint/2012/main">
+        <p15:guide id="1" orient="horz" pos="2160">
+          <p15:clr>
+            <a:srgbClr val="A4A3A4"/>
+          </p15:clr>
+        </p15:guide>
+        <p15:guide id="2" pos="2880">
+          <p15:clr>
+            <a:srgbClr val="A4A3A4"/>
+          </p15:clr>
+        </p15:guide>
+      </p15:sldGuideLst>
+    </p:ext>
+  </p:extLst>
 </p:presentation>
 </file>
 
@@ -288,7 +307,7 @@
           <a:p>
             <a:fld id="{A8193F1D-56DB-E44D-9849-55B52730CCEA}" type="datetimeFigureOut">
               <a:rPr lang="en-US" smtClean="0"/>
-              <a:t>10/11/15</a:t>
+              <a:t>10/12/2015</a:t>
             </a:fld>
             <a:endParaRPr lang="en-US"/>
           </a:p>
@@ -458,7 +477,7 @@
           <a:p>
             <a:fld id="{A8193F1D-56DB-E44D-9849-55B52730CCEA}" type="datetimeFigureOut">
               <a:rPr lang="en-US" smtClean="0"/>
-              <a:t>10/11/15</a:t>
+              <a:t>10/12/2015</a:t>
             </a:fld>
             <a:endParaRPr lang="en-US"/>
           </a:p>
@@ -638,7 +657,7 @@
           <a:p>
             <a:fld id="{A8193F1D-56DB-E44D-9849-55B52730CCEA}" type="datetimeFigureOut">
               <a:rPr lang="en-US" smtClean="0"/>
-              <a:t>10/11/15</a:t>
+              <a:t>10/12/2015</a:t>
             </a:fld>
             <a:endParaRPr lang="en-US"/>
           </a:p>
@@ -808,7 +827,7 @@
           <a:p>
             <a:fld id="{A8193F1D-56DB-E44D-9849-55B52730CCEA}" type="datetimeFigureOut">
               <a:rPr lang="en-US" smtClean="0"/>
-              <a:t>10/11/15</a:t>
+              <a:t>10/12/2015</a:t>
             </a:fld>
             <a:endParaRPr lang="en-US"/>
           </a:p>
@@ -1054,7 +1073,7 @@
           <a:p>
             <a:fld id="{A8193F1D-56DB-E44D-9849-55B52730CCEA}" type="datetimeFigureOut">
               <a:rPr lang="en-US" smtClean="0"/>
-              <a:t>10/11/15</a:t>
+              <a:t>10/12/2015</a:t>
             </a:fld>
             <a:endParaRPr lang="en-US"/>
           </a:p>
@@ -1342,7 +1361,7 @@
           <a:p>
             <a:fld id="{A8193F1D-56DB-E44D-9849-55B52730CCEA}" type="datetimeFigureOut">
               <a:rPr lang="en-US" smtClean="0"/>
-              <a:t>10/11/15</a:t>
+              <a:t>10/12/2015</a:t>
             </a:fld>
             <a:endParaRPr lang="en-US"/>
           </a:p>
@@ -1764,7 +1783,7 @@
           <a:p>
             <a:fld id="{A8193F1D-56DB-E44D-9849-55B52730CCEA}" type="datetimeFigureOut">
               <a:rPr lang="en-US" smtClean="0"/>
-              <a:t>10/11/15</a:t>
+              <a:t>10/12/2015</a:t>
             </a:fld>
             <a:endParaRPr lang="en-US"/>
           </a:p>
@@ -1882,7 +1901,7 @@
           <a:p>
             <a:fld id="{A8193F1D-56DB-E44D-9849-55B52730CCEA}" type="datetimeFigureOut">
               <a:rPr lang="en-US" smtClean="0"/>
-              <a:t>10/11/15</a:t>
+              <a:t>10/12/2015</a:t>
             </a:fld>
             <a:endParaRPr lang="en-US"/>
           </a:p>
@@ -1977,7 +1996,7 @@
           <a:p>
             <a:fld id="{A8193F1D-56DB-E44D-9849-55B52730CCEA}" type="datetimeFigureOut">
               <a:rPr lang="en-US" smtClean="0"/>
-              <a:t>10/11/15</a:t>
+              <a:t>10/12/2015</a:t>
             </a:fld>
             <a:endParaRPr lang="en-US"/>
           </a:p>
@@ -2254,7 +2273,7 @@
           <a:p>
             <a:fld id="{A8193F1D-56DB-E44D-9849-55B52730CCEA}" type="datetimeFigureOut">
               <a:rPr lang="en-US" smtClean="0"/>
-              <a:t>10/11/15</a:t>
+              <a:t>10/12/2015</a:t>
             </a:fld>
             <a:endParaRPr lang="en-US"/>
           </a:p>
@@ -2507,7 +2526,7 @@
           <a:p>
             <a:fld id="{A8193F1D-56DB-E44D-9849-55B52730CCEA}" type="datetimeFigureOut">
               <a:rPr lang="en-US" smtClean="0"/>
-              <a:t>10/11/15</a:t>
+              <a:t>10/12/2015</a:t>
             </a:fld>
             <a:endParaRPr lang="en-US"/>
           </a:p>
@@ -2720,7 +2739,7 @@
           <a:p>
             <a:fld id="{A8193F1D-56DB-E44D-9849-55B52730CCEA}" type="datetimeFigureOut">
               <a:rPr lang="en-US" smtClean="0"/>
-              <a:t>10/11/15</a:t>
+              <a:t>10/12/2015</a:t>
             </a:fld>
             <a:endParaRPr lang="en-US"/>
           </a:p>
@@ -3333,6 +3352,963 @@
 </p:sld>
 </file>
 
+<file path=ppt/slides/slide2.xml><?xml version="1.0" encoding="utf-8"?>
+<p:sld xmlns:a="http://schemas.openxmlformats.org/drawingml/2006/main" xmlns:r="http://schemas.openxmlformats.org/officeDocument/2006/relationships" xmlns:p="http://schemas.openxmlformats.org/presentationml/2006/main">
+  <p:cSld>
+    <p:spTree>
+      <p:nvGrpSpPr>
+        <p:cNvPr id="1" name=""/>
+        <p:cNvGrpSpPr/>
+        <p:nvPr/>
+      </p:nvGrpSpPr>
+      <p:grpSpPr>
+        <a:xfrm>
+          <a:off x="0" y="0"/>
+          <a:ext cx="0" cy="0"/>
+          <a:chOff x="0" y="0"/>
+          <a:chExt cx="0" cy="0"/>
+        </a:xfrm>
+      </p:grpSpPr>
+      <p:grpSp>
+        <p:nvGrpSpPr>
+          <p:cNvPr id="4" name="Group 3"/>
+          <p:cNvGrpSpPr/>
+          <p:nvPr/>
+        </p:nvGrpSpPr>
+        <p:grpSpPr>
+          <a:xfrm>
+            <a:off x="0" y="1"/>
+            <a:ext cx="9144000" cy="844012"/>
+            <a:chOff x="0" y="1"/>
+            <a:chExt cx="9144000" cy="844012"/>
+          </a:xfrm>
+        </p:grpSpPr>
+        <p:cxnSp>
+          <p:nvCxnSpPr>
+            <p:cNvPr id="5" name="Straight Connector 4"/>
+            <p:cNvCxnSpPr/>
+            <p:nvPr/>
+          </p:nvCxnSpPr>
+          <p:spPr>
+            <a:xfrm>
+              <a:off x="0" y="844013"/>
+              <a:ext cx="9144000" cy="0"/>
+            </a:xfrm>
+            <a:prstGeom prst="line">
+              <a:avLst/>
+            </a:prstGeom>
+            <a:ln>
+              <a:solidFill>
+                <a:schemeClr val="tx1"/>
+              </a:solidFill>
+            </a:ln>
+            <a:effectLst/>
+          </p:spPr>
+          <p:style>
+            <a:lnRef idx="2">
+              <a:schemeClr val="accent1"/>
+            </a:lnRef>
+            <a:fillRef idx="0">
+              <a:schemeClr val="accent1"/>
+            </a:fillRef>
+            <a:effectRef idx="1">
+              <a:schemeClr val="accent1"/>
+            </a:effectRef>
+            <a:fontRef idx="minor">
+              <a:schemeClr val="tx1"/>
+            </a:fontRef>
+          </p:style>
+        </p:cxnSp>
+        <p:pic>
+          <p:nvPicPr>
+            <p:cNvPr id="6" name="Picture 5" descr="Screen Shot 2015-10-11 at 11.16.20 AM.png"/>
+            <p:cNvPicPr>
+              <a:picLocks noChangeAspect="1"/>
+            </p:cNvPicPr>
+            <p:nvPr/>
+          </p:nvPicPr>
+          <p:blipFill>
+            <a:blip r:embed="rId2">
+              <a:extLst>
+                <a:ext uri="{28A0092B-C50C-407E-A947-70E740481C1C}">
+                  <a14:useLocalDpi xmlns:a14="http://schemas.microsoft.com/office/drawing/2010/main" val="0"/>
+                </a:ext>
+              </a:extLst>
+            </a:blip>
+            <a:stretch>
+              <a:fillRect/>
+            </a:stretch>
+          </p:blipFill>
+          <p:spPr>
+            <a:xfrm>
+              <a:off x="0" y="1"/>
+              <a:ext cx="1151748" cy="844012"/>
+            </a:xfrm>
+            <a:prstGeom prst="rect">
+              <a:avLst/>
+            </a:prstGeom>
+          </p:spPr>
+        </p:pic>
+        <p:sp>
+          <p:nvSpPr>
+            <p:cNvPr id="7" name="Rectangle 6"/>
+            <p:cNvSpPr/>
+            <p:nvPr/>
+          </p:nvSpPr>
+          <p:spPr>
+            <a:xfrm>
+              <a:off x="1151748" y="2283"/>
+              <a:ext cx="7992252" cy="832104"/>
+            </a:xfrm>
+            <a:prstGeom prst="rect">
+              <a:avLst/>
+            </a:prstGeom>
+            <a:solidFill>
+              <a:schemeClr val="tx1"/>
+            </a:solidFill>
+            <a:ln>
+              <a:solidFill>
+                <a:schemeClr val="tx1"/>
+              </a:solidFill>
+            </a:ln>
+            <a:effectLst/>
+          </p:spPr>
+          <p:style>
+            <a:lnRef idx="1">
+              <a:schemeClr val="accent1"/>
+            </a:lnRef>
+            <a:fillRef idx="3">
+              <a:schemeClr val="accent1"/>
+            </a:fillRef>
+            <a:effectRef idx="2">
+              <a:schemeClr val="accent1"/>
+            </a:effectRef>
+            <a:fontRef idx="minor">
+              <a:schemeClr val="lt1"/>
+            </a:fontRef>
+          </p:style>
+          <p:txBody>
+            <a:bodyPr rtlCol="0" anchor="ctr"/>
+            <a:lstStyle/>
+            <a:p>
+              <a:pPr algn="ctr"/>
+              <a:endParaRPr lang="en-US"/>
+            </a:p>
+          </p:txBody>
+        </p:sp>
+        <p:pic>
+          <p:nvPicPr>
+            <p:cNvPr id="8" name="Picture 7"/>
+            <p:cNvPicPr>
+              <a:picLocks noChangeAspect="1"/>
+            </p:cNvPicPr>
+            <p:nvPr/>
+          </p:nvPicPr>
+          <p:blipFill>
+            <a:blip r:embed="rId3"/>
+            <a:stretch>
+              <a:fillRect/>
+            </a:stretch>
+          </p:blipFill>
+          <p:spPr>
+            <a:xfrm>
+              <a:off x="8311013" y="2283"/>
+              <a:ext cx="832987" cy="832987"/>
+            </a:xfrm>
+            <a:prstGeom prst="rect">
+              <a:avLst/>
+            </a:prstGeom>
+          </p:spPr>
+        </p:pic>
+        <p:sp>
+          <p:nvSpPr>
+            <p:cNvPr id="9" name="TextBox 8"/>
+            <p:cNvSpPr txBox="1"/>
+            <p:nvPr/>
+          </p:nvSpPr>
+          <p:spPr>
+            <a:xfrm>
+              <a:off x="1202040" y="188621"/>
+              <a:ext cx="6983237" cy="461665"/>
+            </a:xfrm>
+            <a:prstGeom prst="rect">
+              <a:avLst/>
+            </a:prstGeom>
+            <a:noFill/>
+          </p:spPr>
+          <p:txBody>
+            <a:bodyPr wrap="square" rtlCol="0">
+              <a:spAutoFit/>
+            </a:bodyPr>
+            <a:lstStyle/>
+            <a:p>
+              <a:pPr algn="ctr"/>
+              <a:r>
+                <a:rPr lang="en-US" sz="2400" dirty="0" err="1" smtClean="0">
+                  <a:solidFill>
+                    <a:srgbClr val="FFFFFF"/>
+                  </a:solidFill>
+                  <a:latin typeface="Candara"/>
+                  <a:cs typeface="Candara"/>
+                </a:rPr>
+                <a:t>FlyNet</a:t>
+              </a:r>
+              <a:r>
+                <a:rPr lang="en-US" sz="2400" dirty="0" smtClean="0">
+                  <a:solidFill>
+                    <a:srgbClr val="FFFFFF"/>
+                  </a:solidFill>
+                  <a:latin typeface="Candara"/>
+                  <a:cs typeface="Candara"/>
+                </a:rPr>
+                <a:t>: Autonomous </a:t>
+              </a:r>
+              <a:r>
+                <a:rPr lang="en-US" sz="2400" dirty="0" err="1" smtClean="0">
+                  <a:solidFill>
+                    <a:srgbClr val="FFFFFF"/>
+                  </a:solidFill>
+                  <a:latin typeface="Candara"/>
+                  <a:cs typeface="Candara"/>
+                </a:rPr>
+                <a:t>Quadcopter</a:t>
+              </a:r>
+              <a:r>
+                <a:rPr lang="en-US" sz="2400" dirty="0" smtClean="0">
+                  <a:solidFill>
+                    <a:srgbClr val="FFFFFF"/>
+                  </a:solidFill>
+                  <a:latin typeface="Candara"/>
+                  <a:cs typeface="Candara"/>
+                </a:rPr>
+                <a:t> Search and Rescue</a:t>
+              </a:r>
+              <a:endParaRPr lang="en-US" sz="2400" dirty="0">
+                <a:solidFill>
+                  <a:srgbClr val="FFFFFF"/>
+                </a:solidFill>
+                <a:latin typeface="Candara"/>
+                <a:cs typeface="Candara"/>
+              </a:endParaRPr>
+            </a:p>
+          </p:txBody>
+        </p:sp>
+      </p:grpSp>
+      <p:sp>
+        <p:nvSpPr>
+          <p:cNvPr id="2" name="Title 1"/>
+          <p:cNvSpPr>
+            <a:spLocks noGrp="1"/>
+          </p:cNvSpPr>
+          <p:nvPr>
+            <p:ph type="title"/>
+          </p:nvPr>
+        </p:nvSpPr>
+        <p:spPr>
+          <a:xfrm>
+            <a:off x="457200" y="852756"/>
+            <a:ext cx="8229600" cy="564882"/>
+          </a:xfrm>
+        </p:spPr>
+        <p:txBody>
+          <a:bodyPr>
+            <a:normAutofit fontScale="90000"/>
+          </a:bodyPr>
+          <a:lstStyle/>
+          <a:p>
+            <a:r>
+              <a:rPr lang="en-US" dirty="0" smtClean="0"/>
+              <a:t>Pixhawk Application Framework</a:t>
+            </a:r>
+            <a:endParaRPr lang="en-US" dirty="0"/>
+          </a:p>
+        </p:txBody>
+      </p:sp>
+      <p:pic>
+        <p:nvPicPr>
+          <p:cNvPr id="1026" name="Picture 2" descr="https://pixhawk.org/_media/dev/pub_sub.png?w=400&amp;tok=4f07b6"/>
+          <p:cNvPicPr>
+            <a:picLocks noGrp="1" noChangeAspect="1" noChangeArrowheads="1"/>
+          </p:cNvPicPr>
+          <p:nvPr>
+            <p:ph idx="1"/>
+          </p:nvPr>
+        </p:nvPicPr>
+        <p:blipFill>
+          <a:blip r:embed="rId4">
+            <a:extLst>
+              <a:ext uri="{28A0092B-C50C-407E-A947-70E740481C1C}">
+                <a14:useLocalDpi xmlns:a14="http://schemas.microsoft.com/office/drawing/2010/main" val="0"/>
+              </a:ext>
+            </a:extLst>
+          </a:blip>
+          <a:srcRect/>
+          <a:stretch>
+            <a:fillRect/>
+          </a:stretch>
+        </p:blipFill>
+        <p:spPr bwMode="auto">
+          <a:xfrm>
+            <a:off x="1992669" y="2499360"/>
+            <a:ext cx="5401977" cy="2106771"/>
+          </a:xfrm>
+          <a:prstGeom prst="rect">
+            <a:avLst/>
+          </a:prstGeom>
+          <a:noFill/>
+          <a:extLst>
+            <a:ext uri="{909E8E84-426E-40DD-AFC4-6F175D3DCCD1}">
+              <a14:hiddenFill xmlns:a14="http://schemas.microsoft.com/office/drawing/2010/main">
+                <a:solidFill>
+                  <a:srgbClr val="FFFFFF"/>
+                </a:solidFill>
+              </a14:hiddenFill>
+            </a:ext>
+          </a:extLst>
+        </p:spPr>
+      </p:pic>
+    </p:spTree>
+    <p:extLst>
+      <p:ext uri="{BB962C8B-B14F-4D97-AF65-F5344CB8AC3E}">
+        <p14:creationId xmlns:p14="http://schemas.microsoft.com/office/powerpoint/2010/main" val="3096069883"/>
+      </p:ext>
+    </p:extLst>
+  </p:cSld>
+  <p:clrMapOvr>
+    <a:masterClrMapping/>
+  </p:clrMapOvr>
+</p:sld>
+</file>
+
+<file path=ppt/slides/slide3.xml><?xml version="1.0" encoding="utf-8"?>
+<p:sld xmlns:a="http://schemas.openxmlformats.org/drawingml/2006/main" xmlns:r="http://schemas.openxmlformats.org/officeDocument/2006/relationships" xmlns:p="http://schemas.openxmlformats.org/presentationml/2006/main">
+  <p:cSld>
+    <p:spTree>
+      <p:nvGrpSpPr>
+        <p:cNvPr id="1" name=""/>
+        <p:cNvGrpSpPr/>
+        <p:nvPr/>
+      </p:nvGrpSpPr>
+      <p:grpSpPr>
+        <a:xfrm>
+          <a:off x="0" y="0"/>
+          <a:ext cx="0" cy="0"/>
+          <a:chOff x="0" y="0"/>
+          <a:chExt cx="0" cy="0"/>
+        </a:xfrm>
+      </p:grpSpPr>
+      <p:grpSp>
+        <p:nvGrpSpPr>
+          <p:cNvPr id="4" name="Group 3"/>
+          <p:cNvGrpSpPr/>
+          <p:nvPr/>
+        </p:nvGrpSpPr>
+        <p:grpSpPr>
+          <a:xfrm>
+            <a:off x="0" y="1"/>
+            <a:ext cx="9144000" cy="844012"/>
+            <a:chOff x="0" y="1"/>
+            <a:chExt cx="9144000" cy="844012"/>
+          </a:xfrm>
+        </p:grpSpPr>
+        <p:cxnSp>
+          <p:nvCxnSpPr>
+            <p:cNvPr id="5" name="Straight Connector 4"/>
+            <p:cNvCxnSpPr/>
+            <p:nvPr/>
+          </p:nvCxnSpPr>
+          <p:spPr>
+            <a:xfrm>
+              <a:off x="0" y="844013"/>
+              <a:ext cx="9144000" cy="0"/>
+            </a:xfrm>
+            <a:prstGeom prst="line">
+              <a:avLst/>
+            </a:prstGeom>
+            <a:ln>
+              <a:solidFill>
+                <a:schemeClr val="tx1"/>
+              </a:solidFill>
+            </a:ln>
+            <a:effectLst/>
+          </p:spPr>
+          <p:style>
+            <a:lnRef idx="2">
+              <a:schemeClr val="accent1"/>
+            </a:lnRef>
+            <a:fillRef idx="0">
+              <a:schemeClr val="accent1"/>
+            </a:fillRef>
+            <a:effectRef idx="1">
+              <a:schemeClr val="accent1"/>
+            </a:effectRef>
+            <a:fontRef idx="minor">
+              <a:schemeClr val="tx1"/>
+            </a:fontRef>
+          </p:style>
+        </p:cxnSp>
+        <p:pic>
+          <p:nvPicPr>
+            <p:cNvPr id="6" name="Picture 5" descr="Screen Shot 2015-10-11 at 11.16.20 AM.png"/>
+            <p:cNvPicPr>
+              <a:picLocks noChangeAspect="1"/>
+            </p:cNvPicPr>
+            <p:nvPr/>
+          </p:nvPicPr>
+          <p:blipFill>
+            <a:blip r:embed="rId2">
+              <a:extLst>
+                <a:ext uri="{28A0092B-C50C-407E-A947-70E740481C1C}">
+                  <a14:useLocalDpi xmlns:a14="http://schemas.microsoft.com/office/drawing/2010/main" val="0"/>
+                </a:ext>
+              </a:extLst>
+            </a:blip>
+            <a:stretch>
+              <a:fillRect/>
+            </a:stretch>
+          </p:blipFill>
+          <p:spPr>
+            <a:xfrm>
+              <a:off x="0" y="1"/>
+              <a:ext cx="1151748" cy="844012"/>
+            </a:xfrm>
+            <a:prstGeom prst="rect">
+              <a:avLst/>
+            </a:prstGeom>
+          </p:spPr>
+        </p:pic>
+        <p:sp>
+          <p:nvSpPr>
+            <p:cNvPr id="7" name="Rectangle 6"/>
+            <p:cNvSpPr/>
+            <p:nvPr/>
+          </p:nvSpPr>
+          <p:spPr>
+            <a:xfrm>
+              <a:off x="1151748" y="2283"/>
+              <a:ext cx="7992252" cy="832104"/>
+            </a:xfrm>
+            <a:prstGeom prst="rect">
+              <a:avLst/>
+            </a:prstGeom>
+            <a:solidFill>
+              <a:schemeClr val="tx1"/>
+            </a:solidFill>
+            <a:ln>
+              <a:solidFill>
+                <a:schemeClr val="tx1"/>
+              </a:solidFill>
+            </a:ln>
+            <a:effectLst/>
+          </p:spPr>
+          <p:style>
+            <a:lnRef idx="1">
+              <a:schemeClr val="accent1"/>
+            </a:lnRef>
+            <a:fillRef idx="3">
+              <a:schemeClr val="accent1"/>
+            </a:fillRef>
+            <a:effectRef idx="2">
+              <a:schemeClr val="accent1"/>
+            </a:effectRef>
+            <a:fontRef idx="minor">
+              <a:schemeClr val="lt1"/>
+            </a:fontRef>
+          </p:style>
+          <p:txBody>
+            <a:bodyPr rtlCol="0" anchor="ctr"/>
+            <a:lstStyle/>
+            <a:p>
+              <a:pPr algn="ctr"/>
+              <a:endParaRPr lang="en-US"/>
+            </a:p>
+          </p:txBody>
+        </p:sp>
+        <p:pic>
+          <p:nvPicPr>
+            <p:cNvPr id="8" name="Picture 7"/>
+            <p:cNvPicPr>
+              <a:picLocks noChangeAspect="1"/>
+            </p:cNvPicPr>
+            <p:nvPr/>
+          </p:nvPicPr>
+          <p:blipFill>
+            <a:blip r:embed="rId3"/>
+            <a:stretch>
+              <a:fillRect/>
+            </a:stretch>
+          </p:blipFill>
+          <p:spPr>
+            <a:xfrm>
+              <a:off x="8311013" y="2283"/>
+              <a:ext cx="832987" cy="832987"/>
+            </a:xfrm>
+            <a:prstGeom prst="rect">
+              <a:avLst/>
+            </a:prstGeom>
+          </p:spPr>
+        </p:pic>
+        <p:sp>
+          <p:nvSpPr>
+            <p:cNvPr id="9" name="TextBox 8"/>
+            <p:cNvSpPr txBox="1"/>
+            <p:nvPr/>
+          </p:nvSpPr>
+          <p:spPr>
+            <a:xfrm>
+              <a:off x="1202040" y="188621"/>
+              <a:ext cx="6983237" cy="461665"/>
+            </a:xfrm>
+            <a:prstGeom prst="rect">
+              <a:avLst/>
+            </a:prstGeom>
+            <a:noFill/>
+          </p:spPr>
+          <p:txBody>
+            <a:bodyPr wrap="square" rtlCol="0">
+              <a:spAutoFit/>
+            </a:bodyPr>
+            <a:lstStyle/>
+            <a:p>
+              <a:pPr algn="ctr"/>
+              <a:r>
+                <a:rPr lang="en-US" sz="2400" dirty="0" err="1" smtClean="0">
+                  <a:solidFill>
+                    <a:srgbClr val="FFFFFF"/>
+                  </a:solidFill>
+                  <a:latin typeface="Candara"/>
+                  <a:cs typeface="Candara"/>
+                </a:rPr>
+                <a:t>FlyNet</a:t>
+              </a:r>
+              <a:r>
+                <a:rPr lang="en-US" sz="2400" dirty="0" smtClean="0">
+                  <a:solidFill>
+                    <a:srgbClr val="FFFFFF"/>
+                  </a:solidFill>
+                  <a:latin typeface="Candara"/>
+                  <a:cs typeface="Candara"/>
+                </a:rPr>
+                <a:t>: Autonomous </a:t>
+              </a:r>
+              <a:r>
+                <a:rPr lang="en-US" sz="2400" dirty="0" err="1" smtClean="0">
+                  <a:solidFill>
+                    <a:srgbClr val="FFFFFF"/>
+                  </a:solidFill>
+                  <a:latin typeface="Candara"/>
+                  <a:cs typeface="Candara"/>
+                </a:rPr>
+                <a:t>Quadcopter</a:t>
+              </a:r>
+              <a:r>
+                <a:rPr lang="en-US" sz="2400" dirty="0" smtClean="0">
+                  <a:solidFill>
+                    <a:srgbClr val="FFFFFF"/>
+                  </a:solidFill>
+                  <a:latin typeface="Candara"/>
+                  <a:cs typeface="Candara"/>
+                </a:rPr>
+                <a:t> Search and Rescue</a:t>
+              </a:r>
+              <a:endParaRPr lang="en-US" sz="2400" dirty="0">
+                <a:solidFill>
+                  <a:srgbClr val="FFFFFF"/>
+                </a:solidFill>
+                <a:latin typeface="Candara"/>
+                <a:cs typeface="Candara"/>
+              </a:endParaRPr>
+            </a:p>
+          </p:txBody>
+        </p:sp>
+      </p:grpSp>
+      <p:sp>
+        <p:nvSpPr>
+          <p:cNvPr id="2" name="Title 1"/>
+          <p:cNvSpPr>
+            <a:spLocks noGrp="1"/>
+          </p:cNvSpPr>
+          <p:nvPr>
+            <p:ph type="title"/>
+          </p:nvPr>
+        </p:nvSpPr>
+        <p:spPr>
+          <a:xfrm>
+            <a:off x="457200" y="852756"/>
+            <a:ext cx="8229600" cy="564882"/>
+          </a:xfrm>
+        </p:spPr>
+        <p:txBody>
+          <a:bodyPr>
+            <a:normAutofit fontScale="90000"/>
+          </a:bodyPr>
+          <a:lstStyle/>
+          <a:p>
+            <a:r>
+              <a:rPr lang="en-US" dirty="0" smtClean="0"/>
+              <a:t>High Level Architecture</a:t>
+            </a:r>
+            <a:endParaRPr lang="en-US" dirty="0"/>
+          </a:p>
+        </p:txBody>
+      </p:sp>
+      <p:pic>
+        <p:nvPicPr>
+          <p:cNvPr id="10" name="Content Placeholder 9"/>
+          <p:cNvPicPr>
+            <a:picLocks noGrp="1" noChangeAspect="1"/>
+          </p:cNvPicPr>
+          <p:nvPr>
+            <p:ph idx="1"/>
+          </p:nvPr>
+        </p:nvPicPr>
+        <p:blipFill>
+          <a:blip r:embed="rId4">
+            <a:extLst>
+              <a:ext uri="{28A0092B-C50C-407E-A947-70E740481C1C}">
+                <a14:useLocalDpi xmlns:a14="http://schemas.microsoft.com/office/drawing/2010/main" val="0"/>
+              </a:ext>
+            </a:extLst>
+          </a:blip>
+          <a:stretch>
+            <a:fillRect/>
+          </a:stretch>
+        </p:blipFill>
+        <p:spPr>
+          <a:xfrm>
+            <a:off x="838200" y="1824831"/>
+            <a:ext cx="7467600" cy="4076700"/>
+          </a:xfrm>
+        </p:spPr>
+      </p:pic>
+    </p:spTree>
+    <p:extLst>
+      <p:ext uri="{BB962C8B-B14F-4D97-AF65-F5344CB8AC3E}">
+        <p14:creationId xmlns:p14="http://schemas.microsoft.com/office/powerpoint/2010/main" val="3855009526"/>
+      </p:ext>
+    </p:extLst>
+  </p:cSld>
+  <p:clrMapOvr>
+    <a:masterClrMapping/>
+  </p:clrMapOvr>
+</p:sld>
+</file>
+
+<file path=ppt/slides/slide4.xml><?xml version="1.0" encoding="utf-8"?>
+<p:sld xmlns:a="http://schemas.openxmlformats.org/drawingml/2006/main" xmlns:r="http://schemas.openxmlformats.org/officeDocument/2006/relationships" xmlns:p="http://schemas.openxmlformats.org/presentationml/2006/main">
+  <p:cSld>
+    <p:spTree>
+      <p:nvGrpSpPr>
+        <p:cNvPr id="1" name=""/>
+        <p:cNvGrpSpPr/>
+        <p:nvPr/>
+      </p:nvGrpSpPr>
+      <p:grpSpPr>
+        <a:xfrm>
+          <a:off x="0" y="0"/>
+          <a:ext cx="0" cy="0"/>
+          <a:chOff x="0" y="0"/>
+          <a:chExt cx="0" cy="0"/>
+        </a:xfrm>
+      </p:grpSpPr>
+      <p:grpSp>
+        <p:nvGrpSpPr>
+          <p:cNvPr id="4" name="Group 3"/>
+          <p:cNvGrpSpPr/>
+          <p:nvPr/>
+        </p:nvGrpSpPr>
+        <p:grpSpPr>
+          <a:xfrm>
+            <a:off x="0" y="1"/>
+            <a:ext cx="9144000" cy="844012"/>
+            <a:chOff x="0" y="1"/>
+            <a:chExt cx="9144000" cy="844012"/>
+          </a:xfrm>
+        </p:grpSpPr>
+        <p:cxnSp>
+          <p:nvCxnSpPr>
+            <p:cNvPr id="5" name="Straight Connector 4"/>
+            <p:cNvCxnSpPr/>
+            <p:nvPr/>
+          </p:nvCxnSpPr>
+          <p:spPr>
+            <a:xfrm>
+              <a:off x="0" y="844013"/>
+              <a:ext cx="9144000" cy="0"/>
+            </a:xfrm>
+            <a:prstGeom prst="line">
+              <a:avLst/>
+            </a:prstGeom>
+            <a:ln>
+              <a:solidFill>
+                <a:schemeClr val="tx1"/>
+              </a:solidFill>
+            </a:ln>
+            <a:effectLst/>
+          </p:spPr>
+          <p:style>
+            <a:lnRef idx="2">
+              <a:schemeClr val="accent1"/>
+            </a:lnRef>
+            <a:fillRef idx="0">
+              <a:schemeClr val="accent1"/>
+            </a:fillRef>
+            <a:effectRef idx="1">
+              <a:schemeClr val="accent1"/>
+            </a:effectRef>
+            <a:fontRef idx="minor">
+              <a:schemeClr val="tx1"/>
+            </a:fontRef>
+          </p:style>
+        </p:cxnSp>
+        <p:pic>
+          <p:nvPicPr>
+            <p:cNvPr id="6" name="Picture 5" descr="Screen Shot 2015-10-11 at 11.16.20 AM.png"/>
+            <p:cNvPicPr>
+              <a:picLocks noChangeAspect="1"/>
+            </p:cNvPicPr>
+            <p:nvPr/>
+          </p:nvPicPr>
+          <p:blipFill>
+            <a:blip r:embed="rId2">
+              <a:extLst>
+                <a:ext uri="{28A0092B-C50C-407E-A947-70E740481C1C}">
+                  <a14:useLocalDpi xmlns:a14="http://schemas.microsoft.com/office/drawing/2010/main" val="0"/>
+                </a:ext>
+              </a:extLst>
+            </a:blip>
+            <a:stretch>
+              <a:fillRect/>
+            </a:stretch>
+          </p:blipFill>
+          <p:spPr>
+            <a:xfrm>
+              <a:off x="0" y="1"/>
+              <a:ext cx="1151748" cy="844012"/>
+            </a:xfrm>
+            <a:prstGeom prst="rect">
+              <a:avLst/>
+            </a:prstGeom>
+          </p:spPr>
+        </p:pic>
+        <p:sp>
+          <p:nvSpPr>
+            <p:cNvPr id="7" name="Rectangle 6"/>
+            <p:cNvSpPr/>
+            <p:nvPr/>
+          </p:nvSpPr>
+          <p:spPr>
+            <a:xfrm>
+              <a:off x="1151748" y="2283"/>
+              <a:ext cx="7992252" cy="832104"/>
+            </a:xfrm>
+            <a:prstGeom prst="rect">
+              <a:avLst/>
+            </a:prstGeom>
+            <a:solidFill>
+              <a:schemeClr val="tx1"/>
+            </a:solidFill>
+            <a:ln>
+              <a:solidFill>
+                <a:schemeClr val="tx1"/>
+              </a:solidFill>
+            </a:ln>
+            <a:effectLst/>
+          </p:spPr>
+          <p:style>
+            <a:lnRef idx="1">
+              <a:schemeClr val="accent1"/>
+            </a:lnRef>
+            <a:fillRef idx="3">
+              <a:schemeClr val="accent1"/>
+            </a:fillRef>
+            <a:effectRef idx="2">
+              <a:schemeClr val="accent1"/>
+            </a:effectRef>
+            <a:fontRef idx="minor">
+              <a:schemeClr val="lt1"/>
+            </a:fontRef>
+          </p:style>
+          <p:txBody>
+            <a:bodyPr rtlCol="0" anchor="ctr"/>
+            <a:lstStyle/>
+            <a:p>
+              <a:pPr algn="ctr"/>
+              <a:endParaRPr lang="en-US"/>
+            </a:p>
+          </p:txBody>
+        </p:sp>
+        <p:pic>
+          <p:nvPicPr>
+            <p:cNvPr id="8" name="Picture 7"/>
+            <p:cNvPicPr>
+              <a:picLocks noChangeAspect="1"/>
+            </p:cNvPicPr>
+            <p:nvPr/>
+          </p:nvPicPr>
+          <p:blipFill>
+            <a:blip r:embed="rId3"/>
+            <a:stretch>
+              <a:fillRect/>
+            </a:stretch>
+          </p:blipFill>
+          <p:spPr>
+            <a:xfrm>
+              <a:off x="8311013" y="2283"/>
+              <a:ext cx="832987" cy="832987"/>
+            </a:xfrm>
+            <a:prstGeom prst="rect">
+              <a:avLst/>
+            </a:prstGeom>
+          </p:spPr>
+        </p:pic>
+        <p:sp>
+          <p:nvSpPr>
+            <p:cNvPr id="9" name="TextBox 8"/>
+            <p:cNvSpPr txBox="1"/>
+            <p:nvPr/>
+          </p:nvSpPr>
+          <p:spPr>
+            <a:xfrm>
+              <a:off x="1202040" y="188621"/>
+              <a:ext cx="6983237" cy="461665"/>
+            </a:xfrm>
+            <a:prstGeom prst="rect">
+              <a:avLst/>
+            </a:prstGeom>
+            <a:noFill/>
+          </p:spPr>
+          <p:txBody>
+            <a:bodyPr wrap="square" rtlCol="0">
+              <a:spAutoFit/>
+            </a:bodyPr>
+            <a:lstStyle/>
+            <a:p>
+              <a:pPr algn="ctr"/>
+              <a:r>
+                <a:rPr lang="en-US" sz="2400" dirty="0" err="1" smtClean="0">
+                  <a:solidFill>
+                    <a:srgbClr val="FFFFFF"/>
+                  </a:solidFill>
+                  <a:latin typeface="Candara"/>
+                  <a:cs typeface="Candara"/>
+                </a:rPr>
+                <a:t>FlyNet</a:t>
+              </a:r>
+              <a:r>
+                <a:rPr lang="en-US" sz="2400" dirty="0" smtClean="0">
+                  <a:solidFill>
+                    <a:srgbClr val="FFFFFF"/>
+                  </a:solidFill>
+                  <a:latin typeface="Candara"/>
+                  <a:cs typeface="Candara"/>
+                </a:rPr>
+                <a:t>: Autonomous </a:t>
+              </a:r>
+              <a:r>
+                <a:rPr lang="en-US" sz="2400" dirty="0" err="1" smtClean="0">
+                  <a:solidFill>
+                    <a:srgbClr val="FFFFFF"/>
+                  </a:solidFill>
+                  <a:latin typeface="Candara"/>
+                  <a:cs typeface="Candara"/>
+                </a:rPr>
+                <a:t>Quadcopter</a:t>
+              </a:r>
+              <a:r>
+                <a:rPr lang="en-US" sz="2400" dirty="0" smtClean="0">
+                  <a:solidFill>
+                    <a:srgbClr val="FFFFFF"/>
+                  </a:solidFill>
+                  <a:latin typeface="Candara"/>
+                  <a:cs typeface="Candara"/>
+                </a:rPr>
+                <a:t> Search and Rescue</a:t>
+              </a:r>
+              <a:endParaRPr lang="en-US" sz="2400" dirty="0">
+                <a:solidFill>
+                  <a:srgbClr val="FFFFFF"/>
+                </a:solidFill>
+                <a:latin typeface="Candara"/>
+                <a:cs typeface="Candara"/>
+              </a:endParaRPr>
+            </a:p>
+          </p:txBody>
+        </p:sp>
+      </p:grpSp>
+      <p:sp>
+        <p:nvSpPr>
+          <p:cNvPr id="2" name="Title 1"/>
+          <p:cNvSpPr>
+            <a:spLocks noGrp="1"/>
+          </p:cNvSpPr>
+          <p:nvPr>
+            <p:ph type="title"/>
+          </p:nvPr>
+        </p:nvSpPr>
+        <p:spPr>
+          <a:xfrm>
+            <a:off x="457200" y="852756"/>
+            <a:ext cx="8229600" cy="564882"/>
+          </a:xfrm>
+        </p:spPr>
+        <p:txBody>
+          <a:bodyPr>
+            <a:normAutofit fontScale="90000"/>
+          </a:bodyPr>
+          <a:lstStyle/>
+          <a:p>
+            <a:pPr algn="l"/>
+            <a:r>
+              <a:rPr lang="en-US" dirty="0" smtClean="0"/>
+              <a:t>Sensors</a:t>
+            </a:r>
+            <a:endParaRPr lang="en-US" dirty="0"/>
+          </a:p>
+        </p:txBody>
+      </p:sp>
+      <p:pic>
+        <p:nvPicPr>
+          <p:cNvPr id="10" name="Content Placeholder 9"/>
+          <p:cNvPicPr>
+            <a:picLocks noGrp="1" noChangeAspect="1"/>
+          </p:cNvPicPr>
+          <p:nvPr>
+            <p:ph idx="1"/>
+          </p:nvPr>
+        </p:nvPicPr>
+        <p:blipFill>
+          <a:blip r:embed="rId4">
+            <a:extLst>
+              <a:ext uri="{28A0092B-C50C-407E-A947-70E740481C1C}">
+                <a14:useLocalDpi xmlns:a14="http://schemas.microsoft.com/office/drawing/2010/main" val="0"/>
+              </a:ext>
+            </a:extLst>
+          </a:blip>
+          <a:stretch>
+            <a:fillRect/>
+          </a:stretch>
+        </p:blipFill>
+        <p:spPr>
+          <a:xfrm>
+            <a:off x="919162" y="1620044"/>
+            <a:ext cx="7305675" cy="4486275"/>
+          </a:xfrm>
+        </p:spPr>
+      </p:pic>
+    </p:spTree>
+    <p:extLst>
+      <p:ext uri="{BB962C8B-B14F-4D97-AF65-F5344CB8AC3E}">
+        <p14:creationId xmlns:p14="http://schemas.microsoft.com/office/powerpoint/2010/main" val="4005070107"/>
+      </p:ext>
+    </p:extLst>
+  </p:cSld>
+  <p:clrMapOvr>
+    <a:masterClrMapping/>
+  </p:clrMapOvr>
+</p:sld>
+</file>
+
 <file path=ppt/theme/theme1.xml><?xml version="1.0" encoding="utf-8"?>
 <a:theme xmlns:a="http://schemas.openxmlformats.org/drawingml/2006/main" name="Office Theme">
   <a:themeElements>

--- a/Presentations/Mid Semester Review/Individual_Slides/Bryce/Slide template.pptx
+++ b/Presentations/Mid Semester Review/Individual_Slides/Bryce/Slide template.pptx
@@ -4,11 +4,15 @@
   <p:sldMasterIdLst>
     <p:sldMasterId id="2147483648" r:id="rId1"/>
   </p:sldMasterIdLst>
+  <p:notesMasterIdLst>
+    <p:notesMasterId r:id="rId7"/>
+  </p:notesMasterIdLst>
   <p:sldIdLst>
-    <p:sldId id="256" r:id="rId2"/>
-    <p:sldId id="259" r:id="rId3"/>
-    <p:sldId id="258" r:id="rId4"/>
-    <p:sldId id="257" r:id="rId5"/>
+    <p:sldId id="260" r:id="rId2"/>
+    <p:sldId id="257" r:id="rId3"/>
+    <p:sldId id="259" r:id="rId4"/>
+    <p:sldId id="258" r:id="rId5"/>
+    <p:sldId id="256" r:id="rId6"/>
   </p:sldIdLst>
   <p:sldSz cx="9144000" cy="6858000" type="screen4x3"/>
   <p:notesSz cx="6858000" cy="9144000"/>
@@ -126,6 +130,444 @@
 </p:presentation>
 </file>
 
+<file path=ppt/notesMasters/notesMaster1.xml><?xml version="1.0" encoding="utf-8"?>
+<p:notesMaster xmlns:a="http://schemas.openxmlformats.org/drawingml/2006/main" xmlns:r="http://schemas.openxmlformats.org/officeDocument/2006/relationships" xmlns:p="http://schemas.openxmlformats.org/presentationml/2006/main">
+  <p:cSld>
+    <p:bg>
+      <p:bgRef idx="1001">
+        <a:schemeClr val="bg1"/>
+      </p:bgRef>
+    </p:bg>
+    <p:spTree>
+      <p:nvGrpSpPr>
+        <p:cNvPr id="1" name=""/>
+        <p:cNvGrpSpPr/>
+        <p:nvPr/>
+      </p:nvGrpSpPr>
+      <p:grpSpPr>
+        <a:xfrm>
+          <a:off x="0" y="0"/>
+          <a:ext cx="0" cy="0"/>
+          <a:chOff x="0" y="0"/>
+          <a:chExt cx="0" cy="0"/>
+        </a:xfrm>
+      </p:grpSpPr>
+      <p:sp>
+        <p:nvSpPr>
+          <p:cNvPr id="2" name="Header Placeholder 1"/>
+          <p:cNvSpPr>
+            <a:spLocks noGrp="1"/>
+          </p:cNvSpPr>
+          <p:nvPr>
+            <p:ph type="hdr" sz="quarter"/>
+          </p:nvPr>
+        </p:nvSpPr>
+        <p:spPr>
+          <a:xfrm>
+            <a:off x="0" y="0"/>
+            <a:ext cx="2971800" cy="458788"/>
+          </a:xfrm>
+          <a:prstGeom prst="rect">
+            <a:avLst/>
+          </a:prstGeom>
+        </p:spPr>
+        <p:txBody>
+          <a:bodyPr vert="horz" lIns="91440" tIns="45720" rIns="91440" bIns="45720" rtlCol="0"/>
+          <a:lstStyle>
+            <a:lvl1pPr algn="l">
+              <a:defRPr sz="1200"/>
+            </a:lvl1pPr>
+          </a:lstStyle>
+          <a:p>
+            <a:endParaRPr lang="en-US"/>
+          </a:p>
+        </p:txBody>
+      </p:sp>
+      <p:sp>
+        <p:nvSpPr>
+          <p:cNvPr id="3" name="Date Placeholder 2"/>
+          <p:cNvSpPr>
+            <a:spLocks noGrp="1"/>
+          </p:cNvSpPr>
+          <p:nvPr>
+            <p:ph type="dt" idx="1"/>
+          </p:nvPr>
+        </p:nvSpPr>
+        <p:spPr>
+          <a:xfrm>
+            <a:off x="3884613" y="0"/>
+            <a:ext cx="2971800" cy="458788"/>
+          </a:xfrm>
+          <a:prstGeom prst="rect">
+            <a:avLst/>
+          </a:prstGeom>
+        </p:spPr>
+        <p:txBody>
+          <a:bodyPr vert="horz" lIns="91440" tIns="45720" rIns="91440" bIns="45720" rtlCol="0"/>
+          <a:lstStyle>
+            <a:lvl1pPr algn="r">
+              <a:defRPr sz="1200"/>
+            </a:lvl1pPr>
+          </a:lstStyle>
+          <a:p>
+            <a:fld id="{A4D90F6D-AAD2-4767-AD70-CC236B5027B9}" type="datetimeFigureOut">
+              <a:rPr lang="en-US" smtClean="0"/>
+              <a:t>10/13/2015</a:t>
+            </a:fld>
+            <a:endParaRPr lang="en-US"/>
+          </a:p>
+        </p:txBody>
+      </p:sp>
+      <p:sp>
+        <p:nvSpPr>
+          <p:cNvPr id="4" name="Slide Image Placeholder 3"/>
+          <p:cNvSpPr>
+            <a:spLocks noGrp="1" noRot="1" noChangeAspect="1"/>
+          </p:cNvSpPr>
+          <p:nvPr>
+            <p:ph type="sldImg" idx="2"/>
+          </p:nvPr>
+        </p:nvSpPr>
+        <p:spPr>
+          <a:xfrm>
+            <a:off x="1371600" y="1143000"/>
+            <a:ext cx="4114800" cy="3086100"/>
+          </a:xfrm>
+          <a:prstGeom prst="rect">
+            <a:avLst/>
+          </a:prstGeom>
+          <a:noFill/>
+          <a:ln w="12700">
+            <a:solidFill>
+              <a:prstClr val="black"/>
+            </a:solidFill>
+          </a:ln>
+        </p:spPr>
+        <p:txBody>
+          <a:bodyPr vert="horz" lIns="91440" tIns="45720" rIns="91440" bIns="45720" rtlCol="0" anchor="ctr"/>
+          <a:lstStyle/>
+          <a:p>
+            <a:endParaRPr lang="en-US"/>
+          </a:p>
+        </p:txBody>
+      </p:sp>
+      <p:sp>
+        <p:nvSpPr>
+          <p:cNvPr id="5" name="Notes Placeholder 4"/>
+          <p:cNvSpPr>
+            <a:spLocks noGrp="1"/>
+          </p:cNvSpPr>
+          <p:nvPr>
+            <p:ph type="body" sz="quarter" idx="3"/>
+          </p:nvPr>
+        </p:nvSpPr>
+        <p:spPr>
+          <a:xfrm>
+            <a:off x="685800" y="4400550"/>
+            <a:ext cx="5486400" cy="3600450"/>
+          </a:xfrm>
+          <a:prstGeom prst="rect">
+            <a:avLst/>
+          </a:prstGeom>
+        </p:spPr>
+        <p:txBody>
+          <a:bodyPr vert="horz" lIns="91440" tIns="45720" rIns="91440" bIns="45720" rtlCol="0"/>
+          <a:lstStyle/>
+          <a:p>
+            <a:pPr lvl="0"/>
+            <a:r>
+              <a:rPr lang="en-US" smtClean="0"/>
+              <a:t>Click to edit Master text styles</a:t>
+            </a:r>
+          </a:p>
+          <a:p>
+            <a:pPr lvl="1"/>
+            <a:r>
+              <a:rPr lang="en-US" smtClean="0"/>
+              <a:t>Second level</a:t>
+            </a:r>
+          </a:p>
+          <a:p>
+            <a:pPr lvl="2"/>
+            <a:r>
+              <a:rPr lang="en-US" smtClean="0"/>
+              <a:t>Third level</a:t>
+            </a:r>
+          </a:p>
+          <a:p>
+            <a:pPr lvl="3"/>
+            <a:r>
+              <a:rPr lang="en-US" smtClean="0"/>
+              <a:t>Fourth level</a:t>
+            </a:r>
+          </a:p>
+          <a:p>
+            <a:pPr lvl="4"/>
+            <a:r>
+              <a:rPr lang="en-US" smtClean="0"/>
+              <a:t>Fifth level</a:t>
+            </a:r>
+            <a:endParaRPr lang="en-US"/>
+          </a:p>
+        </p:txBody>
+      </p:sp>
+      <p:sp>
+        <p:nvSpPr>
+          <p:cNvPr id="6" name="Footer Placeholder 5"/>
+          <p:cNvSpPr>
+            <a:spLocks noGrp="1"/>
+          </p:cNvSpPr>
+          <p:nvPr>
+            <p:ph type="ftr" sz="quarter" idx="4"/>
+          </p:nvPr>
+        </p:nvSpPr>
+        <p:spPr>
+          <a:xfrm>
+            <a:off x="0" y="8685213"/>
+            <a:ext cx="2971800" cy="458787"/>
+          </a:xfrm>
+          <a:prstGeom prst="rect">
+            <a:avLst/>
+          </a:prstGeom>
+        </p:spPr>
+        <p:txBody>
+          <a:bodyPr vert="horz" lIns="91440" tIns="45720" rIns="91440" bIns="45720" rtlCol="0" anchor="b"/>
+          <a:lstStyle>
+            <a:lvl1pPr algn="l">
+              <a:defRPr sz="1200"/>
+            </a:lvl1pPr>
+          </a:lstStyle>
+          <a:p>
+            <a:endParaRPr lang="en-US"/>
+          </a:p>
+        </p:txBody>
+      </p:sp>
+      <p:sp>
+        <p:nvSpPr>
+          <p:cNvPr id="7" name="Slide Number Placeholder 6"/>
+          <p:cNvSpPr>
+            <a:spLocks noGrp="1"/>
+          </p:cNvSpPr>
+          <p:nvPr>
+            <p:ph type="sldNum" sz="quarter" idx="5"/>
+          </p:nvPr>
+        </p:nvSpPr>
+        <p:spPr>
+          <a:xfrm>
+            <a:off x="3884613" y="8685213"/>
+            <a:ext cx="2971800" cy="458787"/>
+          </a:xfrm>
+          <a:prstGeom prst="rect">
+            <a:avLst/>
+          </a:prstGeom>
+        </p:spPr>
+        <p:txBody>
+          <a:bodyPr vert="horz" lIns="91440" tIns="45720" rIns="91440" bIns="45720" rtlCol="0" anchor="b"/>
+          <a:lstStyle>
+            <a:lvl1pPr algn="r">
+              <a:defRPr sz="1200"/>
+            </a:lvl1pPr>
+          </a:lstStyle>
+          <a:p>
+            <a:fld id="{2E035394-18F9-4A42-AA4E-2D8B01D1E2BD}" type="slidenum">
+              <a:rPr lang="en-US" smtClean="0"/>
+              <a:t>‹#›</a:t>
+            </a:fld>
+            <a:endParaRPr lang="en-US"/>
+          </a:p>
+        </p:txBody>
+      </p:sp>
+    </p:spTree>
+    <p:extLst>
+      <p:ext uri="{BB962C8B-B14F-4D97-AF65-F5344CB8AC3E}">
+        <p14:creationId xmlns:p14="http://schemas.microsoft.com/office/powerpoint/2010/main" val="2883760177"/>
+      </p:ext>
+    </p:extLst>
+  </p:cSld>
+  <p:clrMap bg1="lt1" tx1="dk1" bg2="lt2" tx2="dk2" accent1="accent1" accent2="accent2" accent3="accent3" accent4="accent4" accent5="accent5" accent6="accent6" hlink="hlink" folHlink="folHlink"/>
+  <p:notesStyle>
+    <a:lvl1pPr marL="0" algn="l" defTabSz="914400" rtl="0" eaLnBrk="1" latinLnBrk="0" hangingPunct="1">
+      <a:defRPr sz="1200" kern="1200">
+        <a:solidFill>
+          <a:schemeClr val="tx1"/>
+        </a:solidFill>
+        <a:latin typeface="+mn-lt"/>
+        <a:ea typeface="+mn-ea"/>
+        <a:cs typeface="+mn-cs"/>
+      </a:defRPr>
+    </a:lvl1pPr>
+    <a:lvl2pPr marL="457200" algn="l" defTabSz="914400" rtl="0" eaLnBrk="1" latinLnBrk="0" hangingPunct="1">
+      <a:defRPr sz="1200" kern="1200">
+        <a:solidFill>
+          <a:schemeClr val="tx1"/>
+        </a:solidFill>
+        <a:latin typeface="+mn-lt"/>
+        <a:ea typeface="+mn-ea"/>
+        <a:cs typeface="+mn-cs"/>
+      </a:defRPr>
+    </a:lvl2pPr>
+    <a:lvl3pPr marL="914400" algn="l" defTabSz="914400" rtl="0" eaLnBrk="1" latinLnBrk="0" hangingPunct="1">
+      <a:defRPr sz="1200" kern="1200">
+        <a:solidFill>
+          <a:schemeClr val="tx1"/>
+        </a:solidFill>
+        <a:latin typeface="+mn-lt"/>
+        <a:ea typeface="+mn-ea"/>
+        <a:cs typeface="+mn-cs"/>
+      </a:defRPr>
+    </a:lvl3pPr>
+    <a:lvl4pPr marL="1371600" algn="l" defTabSz="914400" rtl="0" eaLnBrk="1" latinLnBrk="0" hangingPunct="1">
+      <a:defRPr sz="1200" kern="1200">
+        <a:solidFill>
+          <a:schemeClr val="tx1"/>
+        </a:solidFill>
+        <a:latin typeface="+mn-lt"/>
+        <a:ea typeface="+mn-ea"/>
+        <a:cs typeface="+mn-cs"/>
+      </a:defRPr>
+    </a:lvl4pPr>
+    <a:lvl5pPr marL="1828800" algn="l" defTabSz="914400" rtl="0" eaLnBrk="1" latinLnBrk="0" hangingPunct="1">
+      <a:defRPr sz="1200" kern="1200">
+        <a:solidFill>
+          <a:schemeClr val="tx1"/>
+        </a:solidFill>
+        <a:latin typeface="+mn-lt"/>
+        <a:ea typeface="+mn-ea"/>
+        <a:cs typeface="+mn-cs"/>
+      </a:defRPr>
+    </a:lvl5pPr>
+    <a:lvl6pPr marL="2286000" algn="l" defTabSz="914400" rtl="0" eaLnBrk="1" latinLnBrk="0" hangingPunct="1">
+      <a:defRPr sz="1200" kern="1200">
+        <a:solidFill>
+          <a:schemeClr val="tx1"/>
+        </a:solidFill>
+        <a:latin typeface="+mn-lt"/>
+        <a:ea typeface="+mn-ea"/>
+        <a:cs typeface="+mn-cs"/>
+      </a:defRPr>
+    </a:lvl6pPr>
+    <a:lvl7pPr marL="2743200" algn="l" defTabSz="914400" rtl="0" eaLnBrk="1" latinLnBrk="0" hangingPunct="1">
+      <a:defRPr sz="1200" kern="1200">
+        <a:solidFill>
+          <a:schemeClr val="tx1"/>
+        </a:solidFill>
+        <a:latin typeface="+mn-lt"/>
+        <a:ea typeface="+mn-ea"/>
+        <a:cs typeface="+mn-cs"/>
+      </a:defRPr>
+    </a:lvl7pPr>
+    <a:lvl8pPr marL="3200400" algn="l" defTabSz="914400" rtl="0" eaLnBrk="1" latinLnBrk="0" hangingPunct="1">
+      <a:defRPr sz="1200" kern="1200">
+        <a:solidFill>
+          <a:schemeClr val="tx1"/>
+        </a:solidFill>
+        <a:latin typeface="+mn-lt"/>
+        <a:ea typeface="+mn-ea"/>
+        <a:cs typeface="+mn-cs"/>
+      </a:defRPr>
+    </a:lvl8pPr>
+    <a:lvl9pPr marL="3657600" algn="l" defTabSz="914400" rtl="0" eaLnBrk="1" latinLnBrk="0" hangingPunct="1">
+      <a:defRPr sz="1200" kern="1200">
+        <a:solidFill>
+          <a:schemeClr val="tx1"/>
+        </a:solidFill>
+        <a:latin typeface="+mn-lt"/>
+        <a:ea typeface="+mn-ea"/>
+        <a:cs typeface="+mn-cs"/>
+      </a:defRPr>
+    </a:lvl9pPr>
+  </p:notesStyle>
+</p:notesMaster>
+</file>
+
+<file path=ppt/notesSlides/notesSlide1.xml><?xml version="1.0" encoding="utf-8"?>
+<p:notes xmlns:a="http://schemas.openxmlformats.org/drawingml/2006/main" xmlns:r="http://schemas.openxmlformats.org/officeDocument/2006/relationships" xmlns:p="http://schemas.openxmlformats.org/presentationml/2006/main">
+  <p:cSld>
+    <p:spTree>
+      <p:nvGrpSpPr>
+        <p:cNvPr id="1" name=""/>
+        <p:cNvGrpSpPr/>
+        <p:nvPr/>
+      </p:nvGrpSpPr>
+      <p:grpSpPr>
+        <a:xfrm>
+          <a:off x="0" y="0"/>
+          <a:ext cx="0" cy="0"/>
+          <a:chOff x="0" y="0"/>
+          <a:chExt cx="0" cy="0"/>
+        </a:xfrm>
+      </p:grpSpPr>
+      <p:sp>
+        <p:nvSpPr>
+          <p:cNvPr id="2" name="Slide Image Placeholder 1"/>
+          <p:cNvSpPr>
+            <a:spLocks noGrp="1" noRot="1" noChangeAspect="1"/>
+          </p:cNvSpPr>
+          <p:nvPr>
+            <p:ph type="sldImg"/>
+          </p:nvPr>
+        </p:nvSpPr>
+        <p:spPr/>
+      </p:sp>
+      <p:sp>
+        <p:nvSpPr>
+          <p:cNvPr id="3" name="Notes Placeholder 2"/>
+          <p:cNvSpPr>
+            <a:spLocks noGrp="1"/>
+          </p:cNvSpPr>
+          <p:nvPr>
+            <p:ph type="body" idx="1"/>
+          </p:nvPr>
+        </p:nvSpPr>
+        <p:spPr/>
+        <p:txBody>
+          <a:bodyPr/>
+          <a:lstStyle/>
+          <a:p>
+            <a:r>
+              <a:rPr lang="en-US" dirty="0" smtClean="0"/>
+              <a:t>Controller decision, what does that?</a:t>
+            </a:r>
+            <a:endParaRPr lang="en-US" dirty="0"/>
+          </a:p>
+        </p:txBody>
+      </p:sp>
+      <p:sp>
+        <p:nvSpPr>
+          <p:cNvPr id="4" name="Slide Number Placeholder 3"/>
+          <p:cNvSpPr>
+            <a:spLocks noGrp="1"/>
+          </p:cNvSpPr>
+          <p:nvPr>
+            <p:ph type="sldNum" sz="quarter" idx="10"/>
+          </p:nvPr>
+        </p:nvSpPr>
+        <p:spPr/>
+        <p:txBody>
+          <a:bodyPr/>
+          <a:lstStyle/>
+          <a:p>
+            <a:fld id="{2E035394-18F9-4A42-AA4E-2D8B01D1E2BD}" type="slidenum">
+              <a:rPr lang="en-US" smtClean="0"/>
+              <a:t>1</a:t>
+            </a:fld>
+            <a:endParaRPr lang="en-US"/>
+          </a:p>
+        </p:txBody>
+      </p:sp>
+    </p:spTree>
+    <p:extLst>
+      <p:ext uri="{BB962C8B-B14F-4D97-AF65-F5344CB8AC3E}">
+        <p14:creationId xmlns:p14="http://schemas.microsoft.com/office/powerpoint/2010/main" val="2423742442"/>
+      </p:ext>
+    </p:extLst>
+  </p:cSld>
+  <p:clrMapOvr>
+    <a:masterClrMapping/>
+  </p:clrMapOvr>
+</p:notes>
+</file>
+
 <file path=ppt/slideLayouts/slideLayout1.xml><?xml version="1.0" encoding="utf-8"?>
 <p:sldLayout xmlns:a="http://schemas.openxmlformats.org/drawingml/2006/main" xmlns:r="http://schemas.openxmlformats.org/officeDocument/2006/relationships" xmlns:p="http://schemas.openxmlformats.org/presentationml/2006/main" type="title" preserve="1">
   <p:cSld name="Title Slide">
@@ -307,7 +749,7 @@
           <a:p>
             <a:fld id="{A8193F1D-56DB-E44D-9849-55B52730CCEA}" type="datetimeFigureOut">
               <a:rPr lang="en-US" smtClean="0"/>
-              <a:t>10/12/2015</a:t>
+              <a:t>10/13/2015</a:t>
             </a:fld>
             <a:endParaRPr lang="en-US"/>
           </a:p>
@@ -477,7 +919,7 @@
           <a:p>
             <a:fld id="{A8193F1D-56DB-E44D-9849-55B52730CCEA}" type="datetimeFigureOut">
               <a:rPr lang="en-US" smtClean="0"/>
-              <a:t>10/12/2015</a:t>
+              <a:t>10/13/2015</a:t>
             </a:fld>
             <a:endParaRPr lang="en-US"/>
           </a:p>
@@ -657,7 +1099,7 @@
           <a:p>
             <a:fld id="{A8193F1D-56DB-E44D-9849-55B52730CCEA}" type="datetimeFigureOut">
               <a:rPr lang="en-US" smtClean="0"/>
-              <a:t>10/12/2015</a:t>
+              <a:t>10/13/2015</a:t>
             </a:fld>
             <a:endParaRPr lang="en-US"/>
           </a:p>
@@ -827,7 +1269,7 @@
           <a:p>
             <a:fld id="{A8193F1D-56DB-E44D-9849-55B52730CCEA}" type="datetimeFigureOut">
               <a:rPr lang="en-US" smtClean="0"/>
-              <a:t>10/12/2015</a:t>
+              <a:t>10/13/2015</a:t>
             </a:fld>
             <a:endParaRPr lang="en-US"/>
           </a:p>
@@ -1073,7 +1515,7 @@
           <a:p>
             <a:fld id="{A8193F1D-56DB-E44D-9849-55B52730CCEA}" type="datetimeFigureOut">
               <a:rPr lang="en-US" smtClean="0"/>
-              <a:t>10/12/2015</a:t>
+              <a:t>10/13/2015</a:t>
             </a:fld>
             <a:endParaRPr lang="en-US"/>
           </a:p>
@@ -1361,7 +1803,7 @@
           <a:p>
             <a:fld id="{A8193F1D-56DB-E44D-9849-55B52730CCEA}" type="datetimeFigureOut">
               <a:rPr lang="en-US" smtClean="0"/>
-              <a:t>10/12/2015</a:t>
+              <a:t>10/13/2015</a:t>
             </a:fld>
             <a:endParaRPr lang="en-US"/>
           </a:p>
@@ -1783,7 +2225,7 @@
           <a:p>
             <a:fld id="{A8193F1D-56DB-E44D-9849-55B52730CCEA}" type="datetimeFigureOut">
               <a:rPr lang="en-US" smtClean="0"/>
-              <a:t>10/12/2015</a:t>
+              <a:t>10/13/2015</a:t>
             </a:fld>
             <a:endParaRPr lang="en-US"/>
           </a:p>
@@ -1901,7 +2343,7 @@
           <a:p>
             <a:fld id="{A8193F1D-56DB-E44D-9849-55B52730CCEA}" type="datetimeFigureOut">
               <a:rPr lang="en-US" smtClean="0"/>
-              <a:t>10/12/2015</a:t>
+              <a:t>10/13/2015</a:t>
             </a:fld>
             <a:endParaRPr lang="en-US"/>
           </a:p>
@@ -1996,7 +2438,7 @@
           <a:p>
             <a:fld id="{A8193F1D-56DB-E44D-9849-55B52730CCEA}" type="datetimeFigureOut">
               <a:rPr lang="en-US" smtClean="0"/>
-              <a:t>10/12/2015</a:t>
+              <a:t>10/13/2015</a:t>
             </a:fld>
             <a:endParaRPr lang="en-US"/>
           </a:p>
@@ -2273,7 +2715,7 @@
           <a:p>
             <a:fld id="{A8193F1D-56DB-E44D-9849-55B52730CCEA}" type="datetimeFigureOut">
               <a:rPr lang="en-US" smtClean="0"/>
-              <a:t>10/12/2015</a:t>
+              <a:t>10/13/2015</a:t>
             </a:fld>
             <a:endParaRPr lang="en-US"/>
           </a:p>
@@ -2526,7 +2968,7 @@
           <a:p>
             <a:fld id="{A8193F1D-56DB-E44D-9849-55B52730CCEA}" type="datetimeFigureOut">
               <a:rPr lang="en-US" smtClean="0"/>
-              <a:t>10/12/2015</a:t>
+              <a:t>10/13/2015</a:t>
             </a:fld>
             <a:endParaRPr lang="en-US"/>
           </a:p>
@@ -2739,7 +3181,7 @@
           <a:p>
             <a:fld id="{A8193F1D-56DB-E44D-9849-55B52730CCEA}" type="datetimeFigureOut">
               <a:rPr lang="en-US" smtClean="0"/>
-              <a:t>10/12/2015</a:t>
+              <a:t>10/13/2015</a:t>
             </a:fld>
             <a:endParaRPr lang="en-US"/>
           </a:p>
@@ -3114,6 +3556,36 @@
           <a:chExt cx="0" cy="0"/>
         </a:xfrm>
       </p:grpSpPr>
+      <p:pic>
+        <p:nvPicPr>
+          <p:cNvPr id="29" name="Picture 28" descr="Controls_block_diagram.png"/>
+          <p:cNvPicPr>
+            <a:picLocks noChangeAspect="1"/>
+          </p:cNvPicPr>
+          <p:nvPr/>
+        </p:nvPicPr>
+        <p:blipFill>
+          <a:blip r:embed="rId3">
+            <a:extLst>
+              <a:ext uri="{28A0092B-C50C-407E-A947-70E740481C1C}">
+                <a14:useLocalDpi xmlns:a14="http://schemas.microsoft.com/office/drawing/2010/main" val="0"/>
+              </a:ext>
+            </a:extLst>
+          </a:blip>
+          <a:stretch>
+            <a:fillRect/>
+          </a:stretch>
+        </p:blipFill>
+        <p:spPr>
+          <a:xfrm>
+            <a:off x="55623" y="1579281"/>
+            <a:ext cx="9144000" cy="4653109"/>
+          </a:xfrm>
+          <a:prstGeom prst="rect">
+            <a:avLst/>
+          </a:prstGeom>
+        </p:spPr>
+      </p:pic>
       <p:grpSp>
         <p:nvGrpSpPr>
           <p:cNvPr id="4" name="Group 3"/>
@@ -3173,7 +3645,7 @@
             <p:nvPr/>
           </p:nvPicPr>
           <p:blipFill>
-            <a:blip r:embed="rId2">
+            <a:blip r:embed="rId4">
               <a:extLst>
                 <a:ext uri="{28A0092B-C50C-407E-A947-70E740481C1C}">
                   <a14:useLocalDpi xmlns:a14="http://schemas.microsoft.com/office/drawing/2010/main" val="0"/>
@@ -3250,7 +3722,7 @@
             <p:nvPr/>
           </p:nvPicPr>
           <p:blipFill>
-            <a:blip r:embed="rId3"/>
+            <a:blip r:embed="rId5"/>
             <a:stretch>
               <a:fillRect/>
             </a:stretch>
@@ -3339,10 +3811,779 @@
           </p:txBody>
         </p:sp>
       </p:grpSp>
+      <p:sp>
+        <p:nvSpPr>
+          <p:cNvPr id="10" name="TextBox 9"/>
+          <p:cNvSpPr txBox="1"/>
+          <p:nvPr/>
+        </p:nvSpPr>
+        <p:spPr>
+          <a:xfrm>
+            <a:off x="1632363" y="1852740"/>
+            <a:ext cx="1729619" cy="600164"/>
+          </a:xfrm>
+          <a:prstGeom prst="rect">
+            <a:avLst/>
+          </a:prstGeom>
+          <a:noFill/>
+        </p:spPr>
+        <p:txBody>
+          <a:bodyPr wrap="square" rtlCol="0">
+            <a:spAutoFit/>
+          </a:bodyPr>
+          <a:lstStyle/>
+          <a:p>
+            <a:pPr algn="ctr"/>
+            <a:r>
+              <a:rPr lang="en-US" sz="1100" i="1" dirty="0"/>
+              <a:t>a</a:t>
+            </a:r>
+            <a:r>
+              <a:rPr lang="en-US" sz="1100" baseline="-25000" dirty="0" smtClean="0"/>
+              <a:t>x-body,</a:t>
+            </a:r>
+            <a:r>
+              <a:rPr lang="en-US" sz="1100" dirty="0" smtClean="0"/>
+              <a:t> </a:t>
+            </a:r>
+            <a:r>
+              <a:rPr lang="en-US" sz="1100" i="1" dirty="0" smtClean="0"/>
+              <a:t>a</a:t>
+            </a:r>
+            <a:r>
+              <a:rPr lang="en-US" sz="1100" baseline="-25000" dirty="0"/>
+              <a:t>y</a:t>
+            </a:r>
+            <a:r>
+              <a:rPr lang="en-US" sz="1100" baseline="-25000" dirty="0" smtClean="0"/>
+              <a:t>-body</a:t>
+            </a:r>
+            <a:r>
+              <a:rPr lang="en-US" sz="1100" dirty="0"/>
+              <a:t> </a:t>
+            </a:r>
+            <a:r>
+              <a:rPr lang="en-US" sz="1100" dirty="0" smtClean="0"/>
+              <a:t>, </a:t>
+            </a:r>
+            <a:r>
+              <a:rPr lang="en-US" sz="1100" i="1" dirty="0" err="1" smtClean="0"/>
+              <a:t>a</a:t>
+            </a:r>
+            <a:r>
+              <a:rPr lang="en-US" sz="1100" baseline="-25000" dirty="0" err="1"/>
+              <a:t>z</a:t>
+            </a:r>
+            <a:r>
+              <a:rPr lang="en-US" sz="1100" baseline="-25000" dirty="0" smtClean="0"/>
+              <a:t>-body</a:t>
+            </a:r>
+          </a:p>
+          <a:p>
+            <a:pPr algn="ctr"/>
+            <a:r>
+              <a:rPr lang="en-US" sz="1100" i="1" dirty="0" smtClean="0"/>
+              <a:t>p, q, r</a:t>
+            </a:r>
+          </a:p>
+          <a:p>
+            <a:pPr algn="ctr"/>
+            <a:endParaRPr lang="en-US" sz="1100" dirty="0"/>
+          </a:p>
+        </p:txBody>
+      </p:sp>
+      <p:sp>
+        <p:nvSpPr>
+          <p:cNvPr id="11" name="TextBox 10"/>
+          <p:cNvSpPr txBox="1"/>
+          <p:nvPr/>
+        </p:nvSpPr>
+        <p:spPr>
+          <a:xfrm>
+            <a:off x="1109640" y="3497853"/>
+            <a:ext cx="976325" cy="430887"/>
+          </a:xfrm>
+          <a:prstGeom prst="rect">
+            <a:avLst/>
+          </a:prstGeom>
+          <a:noFill/>
+        </p:spPr>
+        <p:txBody>
+          <a:bodyPr wrap="square" rtlCol="0">
+            <a:spAutoFit/>
+          </a:bodyPr>
+          <a:lstStyle/>
+          <a:p>
+            <a:pPr algn="ctr"/>
+            <a:r>
+              <a:rPr lang="en-US" sz="1100" i="1" dirty="0" smtClean="0"/>
+              <a:t>p</a:t>
+            </a:r>
+            <a:r>
+              <a:rPr lang="en-US" sz="1100" i="1" baseline="-25000" dirty="0" smtClean="0"/>
+              <a:t>d</a:t>
+            </a:r>
+            <a:r>
+              <a:rPr lang="en-US" sz="1100" i="1" dirty="0" smtClean="0"/>
+              <a:t> q</a:t>
+            </a:r>
+            <a:r>
+              <a:rPr lang="en-US" sz="1100" i="1" baseline="-25000" dirty="0" smtClean="0"/>
+              <a:t>d</a:t>
+            </a:r>
+            <a:r>
+              <a:rPr lang="en-US" sz="1100" i="1" dirty="0" smtClean="0"/>
+              <a:t> r</a:t>
+            </a:r>
+            <a:r>
+              <a:rPr lang="en-US" sz="1100" i="1" baseline="-25000" dirty="0" smtClean="0"/>
+              <a:t>d</a:t>
+            </a:r>
+            <a:endParaRPr lang="en-US" sz="1100" i="1" dirty="0" smtClean="0"/>
+          </a:p>
+          <a:p>
+            <a:pPr algn="ctr"/>
+            <a:endParaRPr lang="en-US" sz="1100" dirty="0"/>
+          </a:p>
+        </p:txBody>
+      </p:sp>
+      <p:sp>
+        <p:nvSpPr>
+          <p:cNvPr id="12" name="TextBox 11"/>
+          <p:cNvSpPr txBox="1"/>
+          <p:nvPr/>
+        </p:nvSpPr>
+        <p:spPr>
+          <a:xfrm>
+            <a:off x="549237" y="5162253"/>
+            <a:ext cx="976325" cy="430887"/>
+          </a:xfrm>
+          <a:prstGeom prst="rect">
+            <a:avLst/>
+          </a:prstGeom>
+          <a:noFill/>
+        </p:spPr>
+        <p:txBody>
+          <a:bodyPr wrap="square" rtlCol="0">
+            <a:spAutoFit/>
+          </a:bodyPr>
+          <a:lstStyle/>
+          <a:p>
+            <a:pPr algn="ctr"/>
+            <a:r>
+              <a:rPr lang="en-US" sz="1100" i="1" dirty="0" smtClean="0"/>
+              <a:t>F, M</a:t>
+            </a:r>
+          </a:p>
+          <a:p>
+            <a:pPr algn="ctr"/>
+            <a:endParaRPr lang="en-US" sz="1100" dirty="0"/>
+          </a:p>
+        </p:txBody>
+      </p:sp>
+      <p:sp>
+        <p:nvSpPr>
+          <p:cNvPr id="13" name="TextBox 12"/>
+          <p:cNvSpPr txBox="1"/>
+          <p:nvPr/>
+        </p:nvSpPr>
+        <p:spPr>
+          <a:xfrm>
+            <a:off x="2488833" y="5311416"/>
+            <a:ext cx="976325" cy="430887"/>
+          </a:xfrm>
+          <a:prstGeom prst="rect">
+            <a:avLst/>
+          </a:prstGeom>
+          <a:noFill/>
+        </p:spPr>
+        <p:txBody>
+          <a:bodyPr wrap="square" rtlCol="0">
+            <a:spAutoFit/>
+          </a:bodyPr>
+          <a:lstStyle/>
+          <a:p>
+            <a:pPr algn="ctr"/>
+            <a:r>
+              <a:rPr lang="en-US" sz="1100" i="1" dirty="0" smtClean="0"/>
+              <a:t>Z</a:t>
+            </a:r>
+            <a:r>
+              <a:rPr lang="en-US" sz="1100" i="1" baseline="-25000" dirty="0" smtClean="0"/>
+              <a:t>intertial-des</a:t>
+            </a:r>
+            <a:endParaRPr lang="en-US" sz="1100" i="1" dirty="0" smtClean="0"/>
+          </a:p>
+          <a:p>
+            <a:pPr algn="ctr"/>
+            <a:endParaRPr lang="en-US" sz="1100" dirty="0"/>
+          </a:p>
+        </p:txBody>
+      </p:sp>
+      <p:sp>
+        <p:nvSpPr>
+          <p:cNvPr id="14" name="TextBox 13"/>
+          <p:cNvSpPr txBox="1"/>
+          <p:nvPr/>
+        </p:nvSpPr>
+        <p:spPr>
+          <a:xfrm>
+            <a:off x="2968355" y="3591321"/>
+            <a:ext cx="976325" cy="261610"/>
+          </a:xfrm>
+          <a:prstGeom prst="rect">
+            <a:avLst/>
+          </a:prstGeom>
+          <a:noFill/>
+        </p:spPr>
+        <p:txBody>
+          <a:bodyPr wrap="square" rtlCol="0">
+            <a:spAutoFit/>
+          </a:bodyPr>
+          <a:lstStyle/>
+          <a:p>
+            <a:pPr algn="ctr"/>
+            <a:r>
+              <a:rPr lang="en-US" sz="1100" dirty="0" smtClean="0"/>
+              <a:t>ϕ</a:t>
+            </a:r>
+            <a:r>
+              <a:rPr lang="en-US" sz="1100" baseline="-25000" dirty="0" smtClean="0"/>
+              <a:t>d</a:t>
+            </a:r>
+            <a:r>
+              <a:rPr lang="en-US" sz="1100" dirty="0" smtClean="0"/>
+              <a:t> θ</a:t>
+            </a:r>
+            <a:r>
+              <a:rPr lang="en-US" sz="1100" baseline="-25000" dirty="0" smtClean="0"/>
+              <a:t>d</a:t>
+            </a:r>
+            <a:r>
+              <a:rPr lang="en-US" sz="1100" dirty="0" smtClean="0"/>
+              <a:t> ψ</a:t>
+            </a:r>
+            <a:r>
+              <a:rPr lang="en-US" sz="1100" baseline="-25000" dirty="0" smtClean="0"/>
+              <a:t>d</a:t>
+            </a:r>
+            <a:endParaRPr lang="en-US" sz="1100" dirty="0"/>
+          </a:p>
+        </p:txBody>
+      </p:sp>
+      <p:sp>
+        <p:nvSpPr>
+          <p:cNvPr id="15" name="TextBox 14"/>
+          <p:cNvSpPr txBox="1"/>
+          <p:nvPr/>
+        </p:nvSpPr>
+        <p:spPr>
+          <a:xfrm>
+            <a:off x="7470802" y="5801503"/>
+            <a:ext cx="1488017" cy="400110"/>
+          </a:xfrm>
+          <a:prstGeom prst="rect">
+            <a:avLst/>
+          </a:prstGeom>
+          <a:noFill/>
+        </p:spPr>
+        <p:txBody>
+          <a:bodyPr wrap="square" rtlCol="0">
+            <a:spAutoFit/>
+          </a:bodyPr>
+          <a:lstStyle/>
+          <a:p>
+            <a:pPr algn="ctr"/>
+            <a:r>
+              <a:rPr lang="en-US" sz="1000" dirty="0" smtClean="0"/>
+              <a:t>Depth images,</a:t>
+            </a:r>
+          </a:p>
+          <a:p>
+            <a:pPr algn="ctr"/>
+            <a:r>
+              <a:rPr lang="en-US" sz="1000" dirty="0" smtClean="0"/>
+              <a:t>Ultrasonic readings</a:t>
+            </a:r>
+          </a:p>
+        </p:txBody>
+      </p:sp>
+      <p:sp>
+        <p:nvSpPr>
+          <p:cNvPr id="16" name="TextBox 15"/>
+          <p:cNvSpPr txBox="1"/>
+          <p:nvPr/>
+        </p:nvSpPr>
+        <p:spPr>
+          <a:xfrm>
+            <a:off x="5195439" y="3551276"/>
+            <a:ext cx="1488017" cy="246221"/>
+          </a:xfrm>
+          <a:prstGeom prst="rect">
+            <a:avLst/>
+          </a:prstGeom>
+          <a:noFill/>
+        </p:spPr>
+        <p:txBody>
+          <a:bodyPr wrap="square" rtlCol="0">
+            <a:spAutoFit/>
+          </a:bodyPr>
+          <a:lstStyle/>
+          <a:p>
+            <a:pPr algn="ctr"/>
+            <a:r>
+              <a:rPr lang="en-US" sz="1000" dirty="0" smtClean="0"/>
+              <a:t>Vis. Odom.</a:t>
+            </a:r>
+          </a:p>
+        </p:txBody>
+      </p:sp>
+      <p:sp>
+        <p:nvSpPr>
+          <p:cNvPr id="17" name="TextBox 16"/>
+          <p:cNvSpPr txBox="1"/>
+          <p:nvPr/>
+        </p:nvSpPr>
+        <p:spPr>
+          <a:xfrm>
+            <a:off x="7417820" y="5161179"/>
+            <a:ext cx="1488017" cy="261610"/>
+          </a:xfrm>
+          <a:prstGeom prst="rect">
+            <a:avLst/>
+          </a:prstGeom>
+          <a:noFill/>
+        </p:spPr>
+        <p:txBody>
+          <a:bodyPr wrap="square" rtlCol="0">
+            <a:spAutoFit/>
+          </a:bodyPr>
+          <a:lstStyle/>
+          <a:p>
+            <a:pPr algn="ctr"/>
+            <a:r>
+              <a:rPr lang="en-US" sz="1100" dirty="0" smtClean="0"/>
+              <a:t>Desired Position</a:t>
+            </a:r>
+          </a:p>
+        </p:txBody>
+      </p:sp>
+      <p:sp>
+        <p:nvSpPr>
+          <p:cNvPr id="18" name="TextBox 17"/>
+          <p:cNvSpPr txBox="1"/>
+          <p:nvPr/>
+        </p:nvSpPr>
+        <p:spPr>
+          <a:xfrm>
+            <a:off x="5045471" y="4768764"/>
+            <a:ext cx="1488017" cy="261610"/>
+          </a:xfrm>
+          <a:prstGeom prst="rect">
+            <a:avLst/>
+          </a:prstGeom>
+          <a:noFill/>
+        </p:spPr>
+        <p:txBody>
+          <a:bodyPr wrap="square" rtlCol="0">
+            <a:spAutoFit/>
+          </a:bodyPr>
+          <a:lstStyle/>
+          <a:p>
+            <a:pPr algn="ctr"/>
+            <a:r>
+              <a:rPr lang="en-US" sz="1100" dirty="0" smtClean="0"/>
+              <a:t>Vis. Odom.</a:t>
+            </a:r>
+          </a:p>
+        </p:txBody>
+      </p:sp>
+      <p:sp>
+        <p:nvSpPr>
+          <p:cNvPr id="19" name="TextBox 18"/>
+          <p:cNvSpPr txBox="1"/>
+          <p:nvPr/>
+        </p:nvSpPr>
+        <p:spPr>
+          <a:xfrm>
+            <a:off x="4685718" y="2617916"/>
+            <a:ext cx="1488017" cy="246221"/>
+          </a:xfrm>
+          <a:prstGeom prst="rect">
+            <a:avLst/>
+          </a:prstGeom>
+          <a:noFill/>
+        </p:spPr>
+        <p:txBody>
+          <a:bodyPr wrap="square" rtlCol="0">
+            <a:spAutoFit/>
+          </a:bodyPr>
+          <a:lstStyle/>
+          <a:p>
+            <a:pPr algn="ctr"/>
+            <a:r>
+              <a:rPr lang="en-US" sz="1000" dirty="0" smtClean="0"/>
+              <a:t>Map Metrics</a:t>
+            </a:r>
+          </a:p>
+        </p:txBody>
+      </p:sp>
+      <p:sp>
+        <p:nvSpPr>
+          <p:cNvPr id="20" name="TextBox 19"/>
+          <p:cNvSpPr txBox="1"/>
+          <p:nvPr/>
+        </p:nvSpPr>
+        <p:spPr>
+          <a:xfrm>
+            <a:off x="4668438" y="4066316"/>
+            <a:ext cx="1488017" cy="246221"/>
+          </a:xfrm>
+          <a:prstGeom prst="rect">
+            <a:avLst/>
+          </a:prstGeom>
+          <a:noFill/>
+        </p:spPr>
+        <p:txBody>
+          <a:bodyPr wrap="square" rtlCol="0">
+            <a:spAutoFit/>
+          </a:bodyPr>
+          <a:lstStyle/>
+          <a:p>
+            <a:pPr algn="ctr"/>
+            <a:r>
+              <a:rPr lang="en-US" sz="1000" dirty="0" smtClean="0"/>
+              <a:t>Vis. Odom.</a:t>
+            </a:r>
+          </a:p>
+        </p:txBody>
+      </p:sp>
+      <p:sp>
+        <p:nvSpPr>
+          <p:cNvPr id="21" name="TextBox 20"/>
+          <p:cNvSpPr txBox="1"/>
+          <p:nvPr/>
+        </p:nvSpPr>
+        <p:spPr>
+          <a:xfrm>
+            <a:off x="5349101" y="1333060"/>
+            <a:ext cx="2068719" cy="246221"/>
+          </a:xfrm>
+          <a:prstGeom prst="rect">
+            <a:avLst/>
+          </a:prstGeom>
+          <a:noFill/>
+        </p:spPr>
+        <p:txBody>
+          <a:bodyPr wrap="square" rtlCol="0">
+            <a:spAutoFit/>
+          </a:bodyPr>
+          <a:lstStyle/>
+          <a:p>
+            <a:pPr algn="ctr"/>
+            <a:r>
+              <a:rPr lang="en-US" sz="1000" dirty="0" smtClean="0"/>
+              <a:t>Desired velocity</a:t>
+            </a:r>
+          </a:p>
+        </p:txBody>
+      </p:sp>
+      <p:sp>
+        <p:nvSpPr>
+          <p:cNvPr id="22" name="TextBox 21"/>
+          <p:cNvSpPr txBox="1"/>
+          <p:nvPr/>
+        </p:nvSpPr>
+        <p:spPr>
+          <a:xfrm>
+            <a:off x="3605713" y="2736944"/>
+            <a:ext cx="976325" cy="261610"/>
+          </a:xfrm>
+          <a:prstGeom prst="rect">
+            <a:avLst/>
+          </a:prstGeom>
+          <a:noFill/>
+        </p:spPr>
+        <p:txBody>
+          <a:bodyPr wrap="square" rtlCol="0">
+            <a:spAutoFit/>
+          </a:bodyPr>
+          <a:lstStyle/>
+          <a:p>
+            <a:pPr algn="ctr"/>
+            <a:r>
+              <a:rPr lang="en-US" sz="1100" dirty="0" smtClean="0"/>
+              <a:t>ϕ</a:t>
+            </a:r>
+            <a:r>
+              <a:rPr lang="en-US" sz="1100" baseline="-25000" dirty="0" smtClean="0"/>
+              <a:t>d</a:t>
+            </a:r>
+            <a:r>
+              <a:rPr lang="en-US" sz="1100" dirty="0" smtClean="0"/>
+              <a:t> θ</a:t>
+            </a:r>
+            <a:r>
+              <a:rPr lang="en-US" sz="1100" baseline="-25000" dirty="0" smtClean="0"/>
+              <a:t>d</a:t>
+            </a:r>
+            <a:r>
+              <a:rPr lang="en-US" sz="1100" dirty="0" smtClean="0"/>
+              <a:t> ψ</a:t>
+            </a:r>
+            <a:r>
+              <a:rPr lang="en-US" sz="1100" baseline="-25000" dirty="0" smtClean="0"/>
+              <a:t>d</a:t>
+            </a:r>
+            <a:endParaRPr lang="en-US" sz="1100" dirty="0"/>
+          </a:p>
+        </p:txBody>
+      </p:sp>
+      <p:sp>
+        <p:nvSpPr>
+          <p:cNvPr id="23" name="TextBox 22"/>
+          <p:cNvSpPr txBox="1"/>
+          <p:nvPr/>
+        </p:nvSpPr>
+        <p:spPr>
+          <a:xfrm>
+            <a:off x="3651298" y="4207652"/>
+            <a:ext cx="976325" cy="261610"/>
+          </a:xfrm>
+          <a:prstGeom prst="rect">
+            <a:avLst/>
+          </a:prstGeom>
+          <a:noFill/>
+        </p:spPr>
+        <p:txBody>
+          <a:bodyPr wrap="square" rtlCol="0">
+            <a:spAutoFit/>
+          </a:bodyPr>
+          <a:lstStyle/>
+          <a:p>
+            <a:pPr algn="ctr"/>
+            <a:r>
+              <a:rPr lang="en-US" sz="1100" dirty="0" smtClean="0"/>
+              <a:t>ϕ</a:t>
+            </a:r>
+            <a:r>
+              <a:rPr lang="en-US" sz="1100" baseline="-25000" dirty="0" smtClean="0"/>
+              <a:t>d</a:t>
+            </a:r>
+            <a:r>
+              <a:rPr lang="en-US" sz="1100" dirty="0" smtClean="0"/>
+              <a:t> θ</a:t>
+            </a:r>
+            <a:r>
+              <a:rPr lang="en-US" sz="1100" baseline="-25000" dirty="0" smtClean="0"/>
+              <a:t>d</a:t>
+            </a:r>
+            <a:r>
+              <a:rPr lang="en-US" sz="1100" dirty="0" smtClean="0"/>
+              <a:t> ψ</a:t>
+            </a:r>
+            <a:r>
+              <a:rPr lang="en-US" sz="1100" baseline="-25000" dirty="0" smtClean="0"/>
+              <a:t>d</a:t>
+            </a:r>
+            <a:endParaRPr lang="en-US" sz="1100" dirty="0"/>
+          </a:p>
+        </p:txBody>
+      </p:sp>
+      <p:sp>
+        <p:nvSpPr>
+          <p:cNvPr id="24" name="TextBox 23"/>
+          <p:cNvSpPr txBox="1"/>
+          <p:nvPr/>
+        </p:nvSpPr>
+        <p:spPr>
+          <a:xfrm>
+            <a:off x="4962168" y="3217943"/>
+            <a:ext cx="1488017" cy="246221"/>
+          </a:xfrm>
+          <a:prstGeom prst="rect">
+            <a:avLst/>
+          </a:prstGeom>
+          <a:noFill/>
+        </p:spPr>
+        <p:txBody>
+          <a:bodyPr wrap="square" rtlCol="0">
+            <a:spAutoFit/>
+          </a:bodyPr>
+          <a:lstStyle/>
+          <a:p>
+            <a:pPr algn="ctr"/>
+            <a:r>
+              <a:rPr lang="en-US" sz="1000" dirty="0" smtClean="0"/>
+              <a:t>Desired trajectory</a:t>
+            </a:r>
+          </a:p>
+        </p:txBody>
+      </p:sp>
+      <p:sp>
+        <p:nvSpPr>
+          <p:cNvPr id="25" name="TextBox 24"/>
+          <p:cNvSpPr txBox="1"/>
+          <p:nvPr/>
+        </p:nvSpPr>
+        <p:spPr>
+          <a:xfrm>
+            <a:off x="90161" y="952290"/>
+            <a:ext cx="1992853" cy="738664"/>
+          </a:xfrm>
+          <a:prstGeom prst="rect">
+            <a:avLst/>
+          </a:prstGeom>
+          <a:noFill/>
+          <a:ln>
+            <a:solidFill>
+              <a:schemeClr val="tx1"/>
+            </a:solidFill>
+          </a:ln>
+        </p:spPr>
+        <p:txBody>
+          <a:bodyPr wrap="none" rtlCol="0">
+            <a:spAutoFit/>
+          </a:bodyPr>
+          <a:lstStyle/>
+          <a:p>
+            <a:r>
+              <a:rPr lang="en-US" sz="1400" dirty="0" err="1" smtClean="0">
+                <a:solidFill>
+                  <a:srgbClr val="8BDE2E"/>
+                </a:solidFill>
+              </a:rPr>
+              <a:t>Pixhawk</a:t>
+            </a:r>
+            <a:r>
+              <a:rPr lang="en-US" sz="1400" dirty="0" smtClean="0">
+                <a:solidFill>
+                  <a:srgbClr val="8BDE2E"/>
+                </a:solidFill>
+              </a:rPr>
+              <a:t>/flight controller</a:t>
+            </a:r>
+          </a:p>
+          <a:p>
+            <a:r>
+              <a:rPr lang="en-US" sz="1400" dirty="0" smtClean="0">
+                <a:solidFill>
+                  <a:srgbClr val="6699E9"/>
+                </a:solidFill>
+              </a:rPr>
+              <a:t>Guidance</a:t>
+            </a:r>
+          </a:p>
+          <a:p>
+            <a:r>
+              <a:rPr lang="en-US" sz="1400" dirty="0" smtClean="0"/>
+              <a:t>Custom</a:t>
+            </a:r>
+            <a:endParaRPr lang="en-US" sz="1400" dirty="0"/>
+          </a:p>
+        </p:txBody>
+      </p:sp>
+      <p:sp>
+        <p:nvSpPr>
+          <p:cNvPr id="26" name="TextBox 25"/>
+          <p:cNvSpPr txBox="1"/>
+          <p:nvPr/>
+        </p:nvSpPr>
+        <p:spPr>
+          <a:xfrm>
+            <a:off x="6527936" y="4560069"/>
+            <a:ext cx="1488017" cy="400110"/>
+          </a:xfrm>
+          <a:prstGeom prst="rect">
+            <a:avLst/>
+          </a:prstGeom>
+          <a:noFill/>
+        </p:spPr>
+        <p:txBody>
+          <a:bodyPr wrap="square" rtlCol="0">
+            <a:spAutoFit/>
+          </a:bodyPr>
+          <a:lstStyle/>
+          <a:p>
+            <a:pPr algn="ctr"/>
+            <a:r>
+              <a:rPr lang="en-US" sz="1000" dirty="0" smtClean="0"/>
+              <a:t>Depth images,</a:t>
+            </a:r>
+          </a:p>
+          <a:p>
+            <a:pPr algn="ctr"/>
+            <a:r>
+              <a:rPr lang="en-US" sz="1000" dirty="0" smtClean="0"/>
+              <a:t>Ultrasonic readings</a:t>
+            </a:r>
+          </a:p>
+        </p:txBody>
+      </p:sp>
+      <p:sp>
+        <p:nvSpPr>
+          <p:cNvPr id="27" name="TextBox 26"/>
+          <p:cNvSpPr txBox="1"/>
+          <p:nvPr/>
+        </p:nvSpPr>
+        <p:spPr>
+          <a:xfrm>
+            <a:off x="6925513" y="4023116"/>
+            <a:ext cx="1488017" cy="246221"/>
+          </a:xfrm>
+          <a:prstGeom prst="rect">
+            <a:avLst/>
+          </a:prstGeom>
+          <a:noFill/>
+        </p:spPr>
+        <p:txBody>
+          <a:bodyPr wrap="square" rtlCol="0">
+            <a:spAutoFit/>
+          </a:bodyPr>
+          <a:lstStyle/>
+          <a:p>
+            <a:pPr algn="ctr"/>
+            <a:r>
+              <a:rPr lang="en-US" sz="1000" dirty="0" smtClean="0"/>
+              <a:t>Vis. Odom.</a:t>
+            </a:r>
+          </a:p>
+        </p:txBody>
+      </p:sp>
+      <p:sp>
+        <p:nvSpPr>
+          <p:cNvPr id="28" name="TextBox 27"/>
+          <p:cNvSpPr txBox="1"/>
+          <p:nvPr/>
+        </p:nvSpPr>
+        <p:spPr>
+          <a:xfrm>
+            <a:off x="6837118" y="2839435"/>
+            <a:ext cx="1488017" cy="246221"/>
+          </a:xfrm>
+          <a:prstGeom prst="rect">
+            <a:avLst/>
+          </a:prstGeom>
+          <a:noFill/>
+        </p:spPr>
+        <p:txBody>
+          <a:bodyPr wrap="square" rtlCol="0">
+            <a:spAutoFit/>
+          </a:bodyPr>
+          <a:lstStyle/>
+          <a:p>
+            <a:pPr algn="ctr"/>
+            <a:r>
+              <a:rPr lang="en-US" sz="1000" dirty="0" smtClean="0"/>
+              <a:t>Map</a:t>
+            </a:r>
+          </a:p>
+        </p:txBody>
+      </p:sp>
     </p:spTree>
     <p:extLst>
       <p:ext uri="{BB962C8B-B14F-4D97-AF65-F5344CB8AC3E}">
-        <p14:creationId xmlns:p14="http://schemas.microsoft.com/office/powerpoint/2010/main" val="4104887601"/>
+        <p14:creationId xmlns:p14="http://schemas.microsoft.com/office/powerpoint/2010/main" val="1694928755"/>
       </p:ext>
     </p:extLst>
   </p:cSld>
@@ -3616,9 +4857,10 @@
           </a:bodyPr>
           <a:lstStyle/>
           <a:p>
+            <a:pPr algn="l"/>
             <a:r>
               <a:rPr lang="en-US" dirty="0" smtClean="0"/>
-              <a:t>Pixhawk Application Framework</a:t>
+              <a:t>Sensors</a:t>
             </a:r>
             <a:endParaRPr lang="en-US" dirty="0"/>
           </a:p>
@@ -3626,9 +4868,9 @@
       </p:sp>
       <p:pic>
         <p:nvPicPr>
-          <p:cNvPr id="1026" name="Picture 2" descr="https://pixhawk.org/_media/dev/pub_sub.png?w=400&amp;tok=4f07b6"/>
+          <p:cNvPr id="10" name="Content Placeholder 9"/>
           <p:cNvPicPr>
-            <a:picLocks noGrp="1" noChangeAspect="1" noChangeArrowheads="1"/>
+            <a:picLocks noGrp="1" noChangeAspect="1"/>
           </p:cNvPicPr>
           <p:nvPr>
             <p:ph idx="1"/>
@@ -3642,35 +4884,21 @@
               </a:ext>
             </a:extLst>
           </a:blip>
-          <a:srcRect/>
           <a:stretch>
             <a:fillRect/>
           </a:stretch>
         </p:blipFill>
-        <p:spPr bwMode="auto">
+        <p:spPr>
           <a:xfrm>
-            <a:off x="1992669" y="2499360"/>
-            <a:ext cx="5401977" cy="2106771"/>
+            <a:off x="919162" y="1620044"/>
+            <a:ext cx="7305675" cy="4486275"/>
           </a:xfrm>
-          <a:prstGeom prst="rect">
-            <a:avLst/>
-          </a:prstGeom>
-          <a:noFill/>
-          <a:extLst>
-            <a:ext uri="{909E8E84-426E-40DD-AFC4-6F175D3DCCD1}">
-              <a14:hiddenFill xmlns:a14="http://schemas.microsoft.com/office/drawing/2010/main">
-                <a:solidFill>
-                  <a:srgbClr val="FFFFFF"/>
-                </a:solidFill>
-              </a14:hiddenFill>
-            </a:ext>
-          </a:extLst>
         </p:spPr>
       </p:pic>
     </p:spTree>
     <p:extLst>
       <p:ext uri="{BB962C8B-B14F-4D97-AF65-F5344CB8AC3E}">
-        <p14:creationId xmlns:p14="http://schemas.microsoft.com/office/powerpoint/2010/main" val="3096069883"/>
+        <p14:creationId xmlns:p14="http://schemas.microsoft.com/office/powerpoint/2010/main" val="4005070107"/>
       </p:ext>
     </p:extLst>
   </p:cSld>
@@ -3946,7 +5174,7 @@
           <a:p>
             <a:r>
               <a:rPr lang="en-US" dirty="0" smtClean="0"/>
-              <a:t>High Level Architecture</a:t>
+              <a:t>Pixhawk Application Framework</a:t>
             </a:r>
             <a:endParaRPr lang="en-US" dirty="0"/>
           </a:p>
@@ -3954,9 +5182,9 @@
       </p:sp>
       <p:pic>
         <p:nvPicPr>
-          <p:cNvPr id="10" name="Content Placeholder 9"/>
+          <p:cNvPr id="1026" name="Picture 2" descr="https://pixhawk.org/_media/dev/pub_sub.png?w=400&amp;tok=4f07b6"/>
           <p:cNvPicPr>
-            <a:picLocks noGrp="1" noChangeAspect="1"/>
+            <a:picLocks noGrp="1" noChangeAspect="1" noChangeArrowheads="1"/>
           </p:cNvPicPr>
           <p:nvPr>
             <p:ph idx="1"/>
@@ -3970,21 +5198,35 @@
               </a:ext>
             </a:extLst>
           </a:blip>
+          <a:srcRect/>
           <a:stretch>
             <a:fillRect/>
           </a:stretch>
         </p:blipFill>
-        <p:spPr>
+        <p:spPr bwMode="auto">
           <a:xfrm>
-            <a:off x="838200" y="1824831"/>
-            <a:ext cx="7467600" cy="4076700"/>
+            <a:off x="1992669" y="2499360"/>
+            <a:ext cx="5401977" cy="2106771"/>
           </a:xfrm>
+          <a:prstGeom prst="rect">
+            <a:avLst/>
+          </a:prstGeom>
+          <a:noFill/>
+          <a:extLst>
+            <a:ext uri="{909E8E84-426E-40DD-AFC4-6F175D3DCCD1}">
+              <a14:hiddenFill xmlns:a14="http://schemas.microsoft.com/office/drawing/2010/main">
+                <a:solidFill>
+                  <a:srgbClr val="FFFFFF"/>
+                </a:solidFill>
+              </a14:hiddenFill>
+            </a:ext>
+          </a:extLst>
         </p:spPr>
       </p:pic>
     </p:spTree>
     <p:extLst>
       <p:ext uri="{BB962C8B-B14F-4D97-AF65-F5344CB8AC3E}">
-        <p14:creationId xmlns:p14="http://schemas.microsoft.com/office/powerpoint/2010/main" val="3855009526"/>
+        <p14:creationId xmlns:p14="http://schemas.microsoft.com/office/powerpoint/2010/main" val="3096069883"/>
       </p:ext>
     </p:extLst>
   </p:cSld>
@@ -4258,10 +5500,9 @@
           </a:bodyPr>
           <a:lstStyle/>
           <a:p>
-            <a:pPr algn="l"/>
             <a:r>
               <a:rPr lang="en-US" dirty="0" smtClean="0"/>
-              <a:t>Sensors</a:t>
+              <a:t>High Level Architecture</a:t>
             </a:r>
             <a:endParaRPr lang="en-US" dirty="0"/>
           </a:p>
@@ -4291,15 +5532,270 @@
         </p:blipFill>
         <p:spPr>
           <a:xfrm>
-            <a:off x="919162" y="1620044"/>
-            <a:ext cx="7305675" cy="4486275"/>
+            <a:off x="838200" y="1824831"/>
+            <a:ext cx="7467600" cy="4076700"/>
           </a:xfrm>
         </p:spPr>
       </p:pic>
     </p:spTree>
     <p:extLst>
       <p:ext uri="{BB962C8B-B14F-4D97-AF65-F5344CB8AC3E}">
-        <p14:creationId xmlns:p14="http://schemas.microsoft.com/office/powerpoint/2010/main" val="4005070107"/>
+        <p14:creationId xmlns:p14="http://schemas.microsoft.com/office/powerpoint/2010/main" val="3855009526"/>
+      </p:ext>
+    </p:extLst>
+  </p:cSld>
+  <p:clrMapOvr>
+    <a:masterClrMapping/>
+  </p:clrMapOvr>
+</p:sld>
+</file>
+
+<file path=ppt/slides/slide5.xml><?xml version="1.0" encoding="utf-8"?>
+<p:sld xmlns:a="http://schemas.openxmlformats.org/drawingml/2006/main" xmlns:r="http://schemas.openxmlformats.org/officeDocument/2006/relationships" xmlns:p="http://schemas.openxmlformats.org/presentationml/2006/main">
+  <p:cSld>
+    <p:spTree>
+      <p:nvGrpSpPr>
+        <p:cNvPr id="1" name=""/>
+        <p:cNvGrpSpPr/>
+        <p:nvPr/>
+      </p:nvGrpSpPr>
+      <p:grpSpPr>
+        <a:xfrm>
+          <a:off x="0" y="0"/>
+          <a:ext cx="0" cy="0"/>
+          <a:chOff x="0" y="0"/>
+          <a:chExt cx="0" cy="0"/>
+        </a:xfrm>
+      </p:grpSpPr>
+      <p:grpSp>
+        <p:nvGrpSpPr>
+          <p:cNvPr id="4" name="Group 3"/>
+          <p:cNvGrpSpPr/>
+          <p:nvPr/>
+        </p:nvGrpSpPr>
+        <p:grpSpPr>
+          <a:xfrm>
+            <a:off x="0" y="1"/>
+            <a:ext cx="9144000" cy="844012"/>
+            <a:chOff x="0" y="1"/>
+            <a:chExt cx="9144000" cy="844012"/>
+          </a:xfrm>
+        </p:grpSpPr>
+        <p:cxnSp>
+          <p:nvCxnSpPr>
+            <p:cNvPr id="5" name="Straight Connector 4"/>
+            <p:cNvCxnSpPr/>
+            <p:nvPr/>
+          </p:nvCxnSpPr>
+          <p:spPr>
+            <a:xfrm>
+              <a:off x="0" y="844013"/>
+              <a:ext cx="9144000" cy="0"/>
+            </a:xfrm>
+            <a:prstGeom prst="line">
+              <a:avLst/>
+            </a:prstGeom>
+            <a:ln>
+              <a:solidFill>
+                <a:schemeClr val="tx1"/>
+              </a:solidFill>
+            </a:ln>
+            <a:effectLst/>
+          </p:spPr>
+          <p:style>
+            <a:lnRef idx="2">
+              <a:schemeClr val="accent1"/>
+            </a:lnRef>
+            <a:fillRef idx="0">
+              <a:schemeClr val="accent1"/>
+            </a:fillRef>
+            <a:effectRef idx="1">
+              <a:schemeClr val="accent1"/>
+            </a:effectRef>
+            <a:fontRef idx="minor">
+              <a:schemeClr val="tx1"/>
+            </a:fontRef>
+          </p:style>
+        </p:cxnSp>
+        <p:pic>
+          <p:nvPicPr>
+            <p:cNvPr id="6" name="Picture 5" descr="Screen Shot 2015-10-11 at 11.16.20 AM.png"/>
+            <p:cNvPicPr>
+              <a:picLocks noChangeAspect="1"/>
+            </p:cNvPicPr>
+            <p:nvPr/>
+          </p:nvPicPr>
+          <p:blipFill>
+            <a:blip r:embed="rId2">
+              <a:extLst>
+                <a:ext uri="{28A0092B-C50C-407E-A947-70E740481C1C}">
+                  <a14:useLocalDpi xmlns:a14="http://schemas.microsoft.com/office/drawing/2010/main" val="0"/>
+                </a:ext>
+              </a:extLst>
+            </a:blip>
+            <a:stretch>
+              <a:fillRect/>
+            </a:stretch>
+          </p:blipFill>
+          <p:spPr>
+            <a:xfrm>
+              <a:off x="0" y="1"/>
+              <a:ext cx="1151748" cy="844012"/>
+            </a:xfrm>
+            <a:prstGeom prst="rect">
+              <a:avLst/>
+            </a:prstGeom>
+          </p:spPr>
+        </p:pic>
+        <p:sp>
+          <p:nvSpPr>
+            <p:cNvPr id="7" name="Rectangle 6"/>
+            <p:cNvSpPr/>
+            <p:nvPr/>
+          </p:nvSpPr>
+          <p:spPr>
+            <a:xfrm>
+              <a:off x="1151748" y="2283"/>
+              <a:ext cx="7992252" cy="832104"/>
+            </a:xfrm>
+            <a:prstGeom prst="rect">
+              <a:avLst/>
+            </a:prstGeom>
+            <a:solidFill>
+              <a:schemeClr val="tx1"/>
+            </a:solidFill>
+            <a:ln>
+              <a:solidFill>
+                <a:schemeClr val="tx1"/>
+              </a:solidFill>
+            </a:ln>
+            <a:effectLst/>
+          </p:spPr>
+          <p:style>
+            <a:lnRef idx="1">
+              <a:schemeClr val="accent1"/>
+            </a:lnRef>
+            <a:fillRef idx="3">
+              <a:schemeClr val="accent1"/>
+            </a:fillRef>
+            <a:effectRef idx="2">
+              <a:schemeClr val="accent1"/>
+            </a:effectRef>
+            <a:fontRef idx="minor">
+              <a:schemeClr val="lt1"/>
+            </a:fontRef>
+          </p:style>
+          <p:txBody>
+            <a:bodyPr rtlCol="0" anchor="ctr"/>
+            <a:lstStyle/>
+            <a:p>
+              <a:pPr algn="ctr"/>
+              <a:endParaRPr lang="en-US"/>
+            </a:p>
+          </p:txBody>
+        </p:sp>
+        <p:pic>
+          <p:nvPicPr>
+            <p:cNvPr id="8" name="Picture 7"/>
+            <p:cNvPicPr>
+              <a:picLocks noChangeAspect="1"/>
+            </p:cNvPicPr>
+            <p:nvPr/>
+          </p:nvPicPr>
+          <p:blipFill>
+            <a:blip r:embed="rId3"/>
+            <a:stretch>
+              <a:fillRect/>
+            </a:stretch>
+          </p:blipFill>
+          <p:spPr>
+            <a:xfrm>
+              <a:off x="8311013" y="2283"/>
+              <a:ext cx="832987" cy="832987"/>
+            </a:xfrm>
+            <a:prstGeom prst="rect">
+              <a:avLst/>
+            </a:prstGeom>
+          </p:spPr>
+        </p:pic>
+        <p:sp>
+          <p:nvSpPr>
+            <p:cNvPr id="9" name="TextBox 8"/>
+            <p:cNvSpPr txBox="1"/>
+            <p:nvPr/>
+          </p:nvSpPr>
+          <p:spPr>
+            <a:xfrm>
+              <a:off x="1202040" y="188621"/>
+              <a:ext cx="6983237" cy="461665"/>
+            </a:xfrm>
+            <a:prstGeom prst="rect">
+              <a:avLst/>
+            </a:prstGeom>
+            <a:noFill/>
+          </p:spPr>
+          <p:txBody>
+            <a:bodyPr wrap="square" rtlCol="0">
+              <a:spAutoFit/>
+            </a:bodyPr>
+            <a:lstStyle/>
+            <a:p>
+              <a:pPr algn="ctr"/>
+              <a:r>
+                <a:rPr lang="en-US" sz="2400" dirty="0" err="1" smtClean="0">
+                  <a:solidFill>
+                    <a:srgbClr val="FFFFFF"/>
+                  </a:solidFill>
+                  <a:latin typeface="Candara"/>
+                  <a:cs typeface="Candara"/>
+                </a:rPr>
+                <a:t>FlyNet</a:t>
+              </a:r>
+              <a:r>
+                <a:rPr lang="en-US" sz="2400" dirty="0" smtClean="0">
+                  <a:solidFill>
+                    <a:srgbClr val="FFFFFF"/>
+                  </a:solidFill>
+                  <a:latin typeface="Candara"/>
+                  <a:cs typeface="Candara"/>
+                </a:rPr>
+                <a:t>: Autonomous </a:t>
+              </a:r>
+              <a:r>
+                <a:rPr lang="en-US" sz="2400" dirty="0" err="1" smtClean="0">
+                  <a:solidFill>
+                    <a:srgbClr val="FFFFFF"/>
+                  </a:solidFill>
+                  <a:latin typeface="Candara"/>
+                  <a:cs typeface="Candara"/>
+                </a:rPr>
+                <a:t>Quadcopter</a:t>
+              </a:r>
+              <a:r>
+                <a:rPr lang="en-US" sz="2400" dirty="0" smtClean="0">
+                  <a:solidFill>
+                    <a:srgbClr val="FFFFFF"/>
+                  </a:solidFill>
+                  <a:latin typeface="Candara"/>
+                  <a:cs typeface="Candara"/>
+                </a:rPr>
+                <a:t> Search and Rescue</a:t>
+              </a:r>
+              <a:endParaRPr lang="en-US" sz="2400" dirty="0">
+                <a:solidFill>
+                  <a:srgbClr val="FFFFFF"/>
+                </a:solidFill>
+                <a:latin typeface="Candara"/>
+                <a:cs typeface="Candara"/>
+              </a:endParaRPr>
+            </a:p>
+          </p:txBody>
+        </p:sp>
+      </p:grpSp>
+    </p:spTree>
+    <p:extLst>
+      <p:ext uri="{BB962C8B-B14F-4D97-AF65-F5344CB8AC3E}">
+        <p14:creationId xmlns:p14="http://schemas.microsoft.com/office/powerpoint/2010/main" val="4104887601"/>
       </p:ext>
     </p:extLst>
   </p:cSld>
@@ -4627,4 +6123,265 @@
   </a:objectDefaults>
   <a:extraClrSchemeLst/>
 </a:theme>
+</file>
+
+<file path=ppt/theme/theme2.xml><?xml version="1.0" encoding="utf-8"?>
+<a:theme xmlns:a="http://schemas.openxmlformats.org/drawingml/2006/main" name="Office Theme">
+  <a:themeElements>
+    <a:clrScheme name="Office">
+      <a:dk1>
+        <a:sysClr val="windowText" lastClr="000000"/>
+      </a:dk1>
+      <a:lt1>
+        <a:sysClr val="window" lastClr="FFFFFF"/>
+      </a:lt1>
+      <a:dk2>
+        <a:srgbClr val="44546A"/>
+      </a:dk2>
+      <a:lt2>
+        <a:srgbClr val="E7E6E6"/>
+      </a:lt2>
+      <a:accent1>
+        <a:srgbClr val="5B9BD5"/>
+      </a:accent1>
+      <a:accent2>
+        <a:srgbClr val="ED7D31"/>
+      </a:accent2>
+      <a:accent3>
+        <a:srgbClr val="A5A5A5"/>
+      </a:accent3>
+      <a:accent4>
+        <a:srgbClr val="FFC000"/>
+      </a:accent4>
+      <a:accent5>
+        <a:srgbClr val="4472C4"/>
+      </a:accent5>
+      <a:accent6>
+        <a:srgbClr val="70AD47"/>
+      </a:accent6>
+      <a:hlink>
+        <a:srgbClr val="0563C1"/>
+      </a:hlink>
+      <a:folHlink>
+        <a:srgbClr val="954F72"/>
+      </a:folHlink>
+    </a:clrScheme>
+    <a:fontScheme name="Office">
+      <a:majorFont>
+        <a:latin typeface="Calibri Light" panose="020F0302020204030204"/>
+        <a:ea typeface=""/>
+        <a:cs typeface=""/>
+        <a:font script="Jpan" typeface="ＭＳ Ｐゴシック"/>
+        <a:font script="Hang" typeface="맑은 고딕"/>
+        <a:font script="Hans" typeface="宋体"/>
+        <a:font script="Hant" typeface="新細明體"/>
+        <a:font script="Arab" typeface="Times New Roman"/>
+        <a:font script="Hebr" typeface="Times New Roman"/>
+        <a:font script="Thai" typeface="Angsana New"/>
+        <a:font script="Ethi" typeface="Nyala"/>
+        <a:font script="Beng" typeface="Vrinda"/>
+        <a:font script="Gujr" typeface="Shruti"/>
+        <a:font script="Khmr" typeface="MoolBoran"/>
+        <a:font script="Knda" typeface="Tunga"/>
+        <a:font script="Guru" typeface="Raavi"/>
+        <a:font script="Cans" typeface="Euphemia"/>
+        <a:font script="Cher" typeface="Plantagenet Cherokee"/>
+        <a:font script="Yiii" typeface="Microsoft Yi Baiti"/>
+        <a:font script="Tibt" typeface="Microsoft Himalaya"/>
+        <a:font script="Thaa" typeface="MV Boli"/>
+        <a:font script="Deva" typeface="Mangal"/>
+        <a:font script="Telu" typeface="Gautami"/>
+        <a:font script="Taml" typeface="Latha"/>
+        <a:font script="Syrc" typeface="Estrangelo Edessa"/>
+        <a:font script="Orya" typeface="Kalinga"/>
+        <a:font script="Mlym" typeface="Kartika"/>
+        <a:font script="Laoo" typeface="DokChampa"/>
+        <a:font script="Sinh" typeface="Iskoola Pota"/>
+        <a:font script="Mong" typeface="Mongolian Baiti"/>
+        <a:font script="Viet" typeface="Times New Roman"/>
+        <a:font script="Uigh" typeface="Microsoft Uighur"/>
+        <a:font script="Geor" typeface="Sylfaen"/>
+      </a:majorFont>
+      <a:minorFont>
+        <a:latin typeface="Calibri" panose="020F0502020204030204"/>
+        <a:ea typeface=""/>
+        <a:cs typeface=""/>
+        <a:font script="Jpan" typeface="ＭＳ Ｐゴシック"/>
+        <a:font script="Hang" typeface="맑은 고딕"/>
+        <a:font script="Hans" typeface="宋体"/>
+        <a:font script="Hant" typeface="新細明體"/>
+        <a:font script="Arab" typeface="Arial"/>
+        <a:font script="Hebr" typeface="Arial"/>
+        <a:font script="Thai" typeface="Cordia New"/>
+        <a:font script="Ethi" typeface="Nyala"/>
+        <a:font script="Beng" typeface="Vrinda"/>
+        <a:font script="Gujr" typeface="Shruti"/>
+        <a:font script="Khmr" typeface="DaunPenh"/>
+        <a:font script="Knda" typeface="Tunga"/>
+        <a:font script="Guru" typeface="Raavi"/>
+        <a:font script="Cans" typeface="Euphemia"/>
+        <a:font script="Cher" typeface="Plantagenet Cherokee"/>
+        <a:font script="Yiii" typeface="Microsoft Yi Baiti"/>
+        <a:font script="Tibt" typeface="Microsoft Himalaya"/>
+        <a:font script="Thaa" typeface="MV Boli"/>
+        <a:font script="Deva" typeface="Mangal"/>
+        <a:font script="Telu" typeface="Gautami"/>
+        <a:font script="Taml" typeface="Latha"/>
+        <a:font script="Syrc" typeface="Estrangelo Edessa"/>
+        <a:font script="Orya" typeface="Kalinga"/>
+        <a:font script="Mlym" typeface="Kartika"/>
+        <a:font script="Laoo" typeface="DokChampa"/>
+        <a:font script="Sinh" typeface="Iskoola Pota"/>
+        <a:font script="Mong" typeface="Mongolian Baiti"/>
+        <a:font script="Viet" typeface="Arial"/>
+        <a:font script="Uigh" typeface="Microsoft Uighur"/>
+        <a:font script="Geor" typeface="Sylfaen"/>
+      </a:minorFont>
+    </a:fontScheme>
+    <a:fmtScheme name="Office">
+      <a:fillStyleLst>
+        <a:solidFill>
+          <a:schemeClr val="phClr"/>
+        </a:solidFill>
+        <a:gradFill rotWithShape="1">
+          <a:gsLst>
+            <a:gs pos="0">
+              <a:schemeClr val="phClr">
+                <a:lumMod val="110000"/>
+                <a:satMod val="105000"/>
+                <a:tint val="67000"/>
+              </a:schemeClr>
+            </a:gs>
+            <a:gs pos="50000">
+              <a:schemeClr val="phClr">
+                <a:lumMod val="105000"/>
+                <a:satMod val="103000"/>
+                <a:tint val="73000"/>
+              </a:schemeClr>
+            </a:gs>
+            <a:gs pos="100000">
+              <a:schemeClr val="phClr">
+                <a:lumMod val="105000"/>
+                <a:satMod val="109000"/>
+                <a:tint val="81000"/>
+              </a:schemeClr>
+            </a:gs>
+          </a:gsLst>
+          <a:lin ang="5400000" scaled="0"/>
+        </a:gradFill>
+        <a:gradFill rotWithShape="1">
+          <a:gsLst>
+            <a:gs pos="0">
+              <a:schemeClr val="phClr">
+                <a:satMod val="103000"/>
+                <a:lumMod val="102000"/>
+                <a:tint val="94000"/>
+              </a:schemeClr>
+            </a:gs>
+            <a:gs pos="50000">
+              <a:schemeClr val="phClr">
+                <a:satMod val="110000"/>
+                <a:lumMod val="100000"/>
+                <a:shade val="100000"/>
+              </a:schemeClr>
+            </a:gs>
+            <a:gs pos="100000">
+              <a:schemeClr val="phClr">
+                <a:lumMod val="99000"/>
+                <a:satMod val="120000"/>
+                <a:shade val="78000"/>
+              </a:schemeClr>
+            </a:gs>
+          </a:gsLst>
+          <a:lin ang="5400000" scaled="0"/>
+        </a:gradFill>
+      </a:fillStyleLst>
+      <a:lnStyleLst>
+        <a:ln w="6350" cap="flat" cmpd="sng" algn="ctr">
+          <a:solidFill>
+            <a:schemeClr val="phClr"/>
+          </a:solidFill>
+          <a:prstDash val="solid"/>
+          <a:miter lim="800000"/>
+        </a:ln>
+        <a:ln w="12700" cap="flat" cmpd="sng" algn="ctr">
+          <a:solidFill>
+            <a:schemeClr val="phClr"/>
+          </a:solidFill>
+          <a:prstDash val="solid"/>
+          <a:miter lim="800000"/>
+        </a:ln>
+        <a:ln w="19050" cap="flat" cmpd="sng" algn="ctr">
+          <a:solidFill>
+            <a:schemeClr val="phClr"/>
+          </a:solidFill>
+          <a:prstDash val="solid"/>
+          <a:miter lim="800000"/>
+        </a:ln>
+      </a:lnStyleLst>
+      <a:effectStyleLst>
+        <a:effectStyle>
+          <a:effectLst/>
+        </a:effectStyle>
+        <a:effectStyle>
+          <a:effectLst/>
+        </a:effectStyle>
+        <a:effectStyle>
+          <a:effectLst>
+            <a:outerShdw blurRad="57150" dist="19050" dir="5400000" algn="ctr" rotWithShape="0">
+              <a:srgbClr val="000000">
+                <a:alpha val="63000"/>
+              </a:srgbClr>
+            </a:outerShdw>
+          </a:effectLst>
+        </a:effectStyle>
+      </a:effectStyleLst>
+      <a:bgFillStyleLst>
+        <a:solidFill>
+          <a:schemeClr val="phClr"/>
+        </a:solidFill>
+        <a:solidFill>
+          <a:schemeClr val="phClr">
+            <a:tint val="95000"/>
+            <a:satMod val="170000"/>
+          </a:schemeClr>
+        </a:solidFill>
+        <a:gradFill rotWithShape="1">
+          <a:gsLst>
+            <a:gs pos="0">
+              <a:schemeClr val="phClr">
+                <a:tint val="93000"/>
+                <a:satMod val="150000"/>
+                <a:shade val="98000"/>
+                <a:lumMod val="102000"/>
+              </a:schemeClr>
+            </a:gs>
+            <a:gs pos="50000">
+              <a:schemeClr val="phClr">
+                <a:tint val="98000"/>
+                <a:satMod val="130000"/>
+                <a:shade val="90000"/>
+                <a:lumMod val="103000"/>
+              </a:schemeClr>
+            </a:gs>
+            <a:gs pos="100000">
+              <a:schemeClr val="phClr">
+                <a:shade val="63000"/>
+                <a:satMod val="120000"/>
+              </a:schemeClr>
+            </a:gs>
+          </a:gsLst>
+          <a:lin ang="5400000" scaled="0"/>
+        </a:gradFill>
+      </a:bgFillStyleLst>
+    </a:fmtScheme>
+  </a:themeElements>
+  <a:objectDefaults/>
+  <a:extraClrSchemeLst/>
+  <a:extLst>
+    <a:ext uri="{05A4C25C-085E-4340-85A3-A5531E510DB2}">
+      <thm15:themeFamily xmlns:thm15="http://schemas.microsoft.com/office/thememl/2012/main" name="Office Theme" id="{62F939B6-93AF-4DB8-9C6B-D6C7DFDC589F}" vid="{4A3C46E8-61CC-4603-A589-7422A47A8E4A}"/>
+    </a:ext>
+  </a:extLst>
+</a:theme>
 </file>
--- a/Presentations/Mid Semester Review/Individual_Slides/Bryce/Slide template.pptx
+++ b/Presentations/Mid Semester Review/Individual_Slides/Bryce/Slide template.pptx
@@ -5,14 +5,15 @@
     <p:sldMasterId id="2147483648" r:id="rId1"/>
   </p:sldMasterIdLst>
   <p:notesMasterIdLst>
-    <p:notesMasterId r:id="rId7"/>
+    <p:notesMasterId r:id="rId8"/>
   </p:notesMasterIdLst>
   <p:sldIdLst>
     <p:sldId id="260" r:id="rId2"/>
     <p:sldId id="257" r:id="rId3"/>
-    <p:sldId id="259" r:id="rId4"/>
-    <p:sldId id="258" r:id="rId5"/>
-    <p:sldId id="256" r:id="rId6"/>
+    <p:sldId id="261" r:id="rId4"/>
+    <p:sldId id="259" r:id="rId5"/>
+    <p:sldId id="258" r:id="rId6"/>
+    <p:sldId id="256" r:id="rId7"/>
   </p:sldIdLst>
   <p:sldSz cx="9144000" cy="6858000" type="screen4x3"/>
   <p:notesSz cx="6858000" cy="9144000"/>
@@ -212,7 +213,7 @@
           <a:p>
             <a:fld id="{A4D90F6D-AAD2-4767-AD70-CC236B5027B9}" type="datetimeFigureOut">
               <a:rPr lang="en-US" smtClean="0"/>
-              <a:t>10/13/2015</a:t>
+              <a:t>10/14/2015</a:t>
             </a:fld>
             <a:endParaRPr lang="en-US"/>
           </a:p>
@@ -568,6 +569,198 @@
 </p:notes>
 </file>
 
+<file path=ppt/notesSlides/notesSlide2.xml><?xml version="1.0" encoding="utf-8"?>
+<p:notes xmlns:a="http://schemas.openxmlformats.org/drawingml/2006/main" xmlns:r="http://schemas.openxmlformats.org/officeDocument/2006/relationships" xmlns:p="http://schemas.openxmlformats.org/presentationml/2006/main">
+  <p:cSld>
+    <p:spTree>
+      <p:nvGrpSpPr>
+        <p:cNvPr id="1" name=""/>
+        <p:cNvGrpSpPr/>
+        <p:nvPr/>
+      </p:nvGrpSpPr>
+      <p:grpSpPr>
+        <a:xfrm>
+          <a:off x="0" y="0"/>
+          <a:ext cx="0" cy="0"/>
+          <a:chOff x="0" y="0"/>
+          <a:chExt cx="0" cy="0"/>
+        </a:xfrm>
+      </p:grpSpPr>
+      <p:sp>
+        <p:nvSpPr>
+          <p:cNvPr id="2" name="Slide Image Placeholder 1"/>
+          <p:cNvSpPr>
+            <a:spLocks noGrp="1" noRot="1" noChangeAspect="1"/>
+          </p:cNvSpPr>
+          <p:nvPr>
+            <p:ph type="sldImg"/>
+          </p:nvPr>
+        </p:nvSpPr>
+        <p:spPr/>
+      </p:sp>
+      <p:sp>
+        <p:nvSpPr>
+          <p:cNvPr id="3" name="Notes Placeholder 2"/>
+          <p:cNvSpPr>
+            <a:spLocks noGrp="1"/>
+          </p:cNvSpPr>
+          <p:nvPr>
+            <p:ph type="body" idx="1"/>
+          </p:nvPr>
+        </p:nvSpPr>
+        <p:spPr/>
+        <p:txBody>
+          <a:bodyPr/>
+          <a:lstStyle/>
+          <a:p>
+            <a:r>
+              <a:rPr lang="en-US" dirty="0" smtClean="0"/>
+              <a:t>Replace </a:t>
+            </a:r>
+            <a:r>
+              <a:rPr lang="en-US" dirty="0" err="1" smtClean="0"/>
+              <a:t>gps</a:t>
+            </a:r>
+            <a:r>
+              <a:rPr lang="en-US" dirty="0" smtClean="0"/>
+              <a:t> with local </a:t>
+            </a:r>
+            <a:r>
+              <a:rPr lang="en-US" dirty="0" err="1" smtClean="0"/>
+              <a:t>ned</a:t>
+            </a:r>
+            <a:endParaRPr lang="en-US" dirty="0"/>
+          </a:p>
+        </p:txBody>
+      </p:sp>
+      <p:sp>
+        <p:nvSpPr>
+          <p:cNvPr id="4" name="Slide Number Placeholder 3"/>
+          <p:cNvSpPr>
+            <a:spLocks noGrp="1"/>
+          </p:cNvSpPr>
+          <p:nvPr>
+            <p:ph type="sldNum" sz="quarter" idx="10"/>
+          </p:nvPr>
+        </p:nvSpPr>
+        <p:spPr/>
+        <p:txBody>
+          <a:bodyPr/>
+          <a:lstStyle/>
+          <a:p>
+            <a:fld id="{2E035394-18F9-4A42-AA4E-2D8B01D1E2BD}" type="slidenum">
+              <a:rPr lang="en-US" smtClean="0"/>
+              <a:t>2</a:t>
+            </a:fld>
+            <a:endParaRPr lang="en-US"/>
+          </a:p>
+        </p:txBody>
+      </p:sp>
+    </p:spTree>
+    <p:extLst>
+      <p:ext uri="{BB962C8B-B14F-4D97-AF65-F5344CB8AC3E}">
+        <p14:creationId xmlns:p14="http://schemas.microsoft.com/office/powerpoint/2010/main" val="1695629963"/>
+      </p:ext>
+    </p:extLst>
+  </p:cSld>
+  <p:clrMapOvr>
+    <a:masterClrMapping/>
+  </p:clrMapOvr>
+</p:notes>
+</file>
+
+<file path=ppt/notesSlides/notesSlide3.xml><?xml version="1.0" encoding="utf-8"?>
+<p:notes xmlns:a="http://schemas.openxmlformats.org/drawingml/2006/main" xmlns:r="http://schemas.openxmlformats.org/officeDocument/2006/relationships" xmlns:p="http://schemas.openxmlformats.org/presentationml/2006/main">
+  <p:cSld>
+    <p:spTree>
+      <p:nvGrpSpPr>
+        <p:cNvPr id="1" name=""/>
+        <p:cNvGrpSpPr/>
+        <p:nvPr/>
+      </p:nvGrpSpPr>
+      <p:grpSpPr>
+        <a:xfrm>
+          <a:off x="0" y="0"/>
+          <a:ext cx="0" cy="0"/>
+          <a:chOff x="0" y="0"/>
+          <a:chExt cx="0" cy="0"/>
+        </a:xfrm>
+      </p:grpSpPr>
+      <p:sp>
+        <p:nvSpPr>
+          <p:cNvPr id="2" name="Slide Image Placeholder 1"/>
+          <p:cNvSpPr>
+            <a:spLocks noGrp="1" noRot="1" noChangeAspect="1"/>
+          </p:cNvSpPr>
+          <p:nvPr>
+            <p:ph type="sldImg"/>
+          </p:nvPr>
+        </p:nvSpPr>
+        <p:spPr/>
+      </p:sp>
+      <p:sp>
+        <p:nvSpPr>
+          <p:cNvPr id="3" name="Notes Placeholder 2"/>
+          <p:cNvSpPr>
+            <a:spLocks noGrp="1"/>
+          </p:cNvSpPr>
+          <p:nvPr>
+            <p:ph type="body" idx="1"/>
+          </p:nvPr>
+        </p:nvSpPr>
+        <p:spPr/>
+        <p:txBody>
+          <a:bodyPr/>
+          <a:lstStyle/>
+          <a:p>
+            <a:r>
+              <a:rPr lang="en-US" dirty="0" smtClean="0"/>
+              <a:t>What</a:t>
+            </a:r>
+            <a:r>
+              <a:rPr lang="en-US" baseline="0" dirty="0" smtClean="0"/>
+              <a:t> bus/protocol</a:t>
+            </a:r>
+            <a:endParaRPr lang="en-US" dirty="0"/>
+          </a:p>
+        </p:txBody>
+      </p:sp>
+      <p:sp>
+        <p:nvSpPr>
+          <p:cNvPr id="4" name="Slide Number Placeholder 3"/>
+          <p:cNvSpPr>
+            <a:spLocks noGrp="1"/>
+          </p:cNvSpPr>
+          <p:nvPr>
+            <p:ph type="sldNum" sz="quarter" idx="10"/>
+          </p:nvPr>
+        </p:nvSpPr>
+        <p:spPr/>
+        <p:txBody>
+          <a:bodyPr/>
+          <a:lstStyle/>
+          <a:p>
+            <a:fld id="{2E035394-18F9-4A42-AA4E-2D8B01D1E2BD}" type="slidenum">
+              <a:rPr lang="en-US" smtClean="0"/>
+              <a:t>5</a:t>
+            </a:fld>
+            <a:endParaRPr lang="en-US"/>
+          </a:p>
+        </p:txBody>
+      </p:sp>
+    </p:spTree>
+    <p:extLst>
+      <p:ext uri="{BB962C8B-B14F-4D97-AF65-F5344CB8AC3E}">
+        <p14:creationId xmlns:p14="http://schemas.microsoft.com/office/powerpoint/2010/main" val="209177180"/>
+      </p:ext>
+    </p:extLst>
+  </p:cSld>
+  <p:clrMapOvr>
+    <a:masterClrMapping/>
+  </p:clrMapOvr>
+</p:notes>
+</file>
+
 <file path=ppt/slideLayouts/slideLayout1.xml><?xml version="1.0" encoding="utf-8"?>
 <p:sldLayout xmlns:a="http://schemas.openxmlformats.org/drawingml/2006/main" xmlns:r="http://schemas.openxmlformats.org/officeDocument/2006/relationships" xmlns:p="http://schemas.openxmlformats.org/presentationml/2006/main" type="title" preserve="1">
   <p:cSld name="Title Slide">
@@ -749,7 +942,7 @@
           <a:p>
             <a:fld id="{A8193F1D-56DB-E44D-9849-55B52730CCEA}" type="datetimeFigureOut">
               <a:rPr lang="en-US" smtClean="0"/>
-              <a:t>10/13/2015</a:t>
+              <a:t>10/14/2015</a:t>
             </a:fld>
             <a:endParaRPr lang="en-US"/>
           </a:p>
@@ -919,7 +1112,7 @@
           <a:p>
             <a:fld id="{A8193F1D-56DB-E44D-9849-55B52730CCEA}" type="datetimeFigureOut">
               <a:rPr lang="en-US" smtClean="0"/>
-              <a:t>10/13/2015</a:t>
+              <a:t>10/14/2015</a:t>
             </a:fld>
             <a:endParaRPr lang="en-US"/>
           </a:p>
@@ -1099,7 +1292,7 @@
           <a:p>
             <a:fld id="{A8193F1D-56DB-E44D-9849-55B52730CCEA}" type="datetimeFigureOut">
               <a:rPr lang="en-US" smtClean="0"/>
-              <a:t>10/13/2015</a:t>
+              <a:t>10/14/2015</a:t>
             </a:fld>
             <a:endParaRPr lang="en-US"/>
           </a:p>
@@ -1269,7 +1462,7 @@
           <a:p>
             <a:fld id="{A8193F1D-56DB-E44D-9849-55B52730CCEA}" type="datetimeFigureOut">
               <a:rPr lang="en-US" smtClean="0"/>
-              <a:t>10/13/2015</a:t>
+              <a:t>10/14/2015</a:t>
             </a:fld>
             <a:endParaRPr lang="en-US"/>
           </a:p>
@@ -1515,7 +1708,7 @@
           <a:p>
             <a:fld id="{A8193F1D-56DB-E44D-9849-55B52730CCEA}" type="datetimeFigureOut">
               <a:rPr lang="en-US" smtClean="0"/>
-              <a:t>10/13/2015</a:t>
+              <a:t>10/14/2015</a:t>
             </a:fld>
             <a:endParaRPr lang="en-US"/>
           </a:p>
@@ -1803,7 +1996,7 @@
           <a:p>
             <a:fld id="{A8193F1D-56DB-E44D-9849-55B52730CCEA}" type="datetimeFigureOut">
               <a:rPr lang="en-US" smtClean="0"/>
-              <a:t>10/13/2015</a:t>
+              <a:t>10/14/2015</a:t>
             </a:fld>
             <a:endParaRPr lang="en-US"/>
           </a:p>
@@ -2225,7 +2418,7 @@
           <a:p>
             <a:fld id="{A8193F1D-56DB-E44D-9849-55B52730CCEA}" type="datetimeFigureOut">
               <a:rPr lang="en-US" smtClean="0"/>
-              <a:t>10/13/2015</a:t>
+              <a:t>10/14/2015</a:t>
             </a:fld>
             <a:endParaRPr lang="en-US"/>
           </a:p>
@@ -2343,7 +2536,7 @@
           <a:p>
             <a:fld id="{A8193F1D-56DB-E44D-9849-55B52730CCEA}" type="datetimeFigureOut">
               <a:rPr lang="en-US" smtClean="0"/>
-              <a:t>10/13/2015</a:t>
+              <a:t>10/14/2015</a:t>
             </a:fld>
             <a:endParaRPr lang="en-US"/>
           </a:p>
@@ -2438,7 +2631,7 @@
           <a:p>
             <a:fld id="{A8193F1D-56DB-E44D-9849-55B52730CCEA}" type="datetimeFigureOut">
               <a:rPr lang="en-US" smtClean="0"/>
-              <a:t>10/13/2015</a:t>
+              <a:t>10/14/2015</a:t>
             </a:fld>
             <a:endParaRPr lang="en-US"/>
           </a:p>
@@ -2715,7 +2908,7 @@
           <a:p>
             <a:fld id="{A8193F1D-56DB-E44D-9849-55B52730CCEA}" type="datetimeFigureOut">
               <a:rPr lang="en-US" smtClean="0"/>
-              <a:t>10/13/2015</a:t>
+              <a:t>10/14/2015</a:t>
             </a:fld>
             <a:endParaRPr lang="en-US"/>
           </a:p>
@@ -2968,7 +3161,7 @@
           <a:p>
             <a:fld id="{A8193F1D-56DB-E44D-9849-55B52730CCEA}" type="datetimeFigureOut">
               <a:rPr lang="en-US" smtClean="0"/>
-              <a:t>10/13/2015</a:t>
+              <a:t>10/14/2015</a:t>
             </a:fld>
             <a:endParaRPr lang="en-US"/>
           </a:p>
@@ -3181,7 +3374,7 @@
           <a:p>
             <a:fld id="{A8193F1D-56DB-E44D-9849-55B52730CCEA}" type="datetimeFigureOut">
               <a:rPr lang="en-US" smtClean="0"/>
-              <a:t>10/13/2015</a:t>
+              <a:t>10/14/2015</a:t>
             </a:fld>
             <a:endParaRPr lang="en-US"/>
           </a:p>
@@ -4669,7 +4862,7 @@
             <p:nvPr/>
           </p:nvPicPr>
           <p:blipFill>
-            <a:blip r:embed="rId2">
+            <a:blip r:embed="rId3">
               <a:extLst>
                 <a:ext uri="{28A0092B-C50C-407E-A947-70E740481C1C}">
                   <a14:useLocalDpi xmlns:a14="http://schemas.microsoft.com/office/drawing/2010/main" val="0"/>
@@ -4746,7 +4939,7 @@
             <p:nvPr/>
           </p:nvPicPr>
           <p:blipFill>
-            <a:blip r:embed="rId3"/>
+            <a:blip r:embed="rId4"/>
             <a:stretch>
               <a:fillRect/>
             </a:stretch>
@@ -4877,7 +5070,7 @@
           </p:nvPr>
         </p:nvPicPr>
         <p:blipFill>
-          <a:blip r:embed="rId4">
+          <a:blip r:embed="rId5">
             <a:extLst>
               <a:ext uri="{28A0092B-C50C-407E-A947-70E740481C1C}">
                 <a14:useLocalDpi xmlns:a14="http://schemas.microsoft.com/office/drawing/2010/main" val="0"/>
@@ -4909,6 +5102,1397 @@
 </file>
 
 <file path=ppt/slides/slide3.xml><?xml version="1.0" encoding="utf-8"?>
+<p:sld xmlns:a="http://schemas.openxmlformats.org/drawingml/2006/main" xmlns:r="http://schemas.openxmlformats.org/officeDocument/2006/relationships" xmlns:p="http://schemas.openxmlformats.org/presentationml/2006/main">
+  <p:cSld>
+    <p:spTree>
+      <p:nvGrpSpPr>
+        <p:cNvPr id="1" name=""/>
+        <p:cNvGrpSpPr/>
+        <p:nvPr/>
+      </p:nvGrpSpPr>
+      <p:grpSpPr>
+        <a:xfrm>
+          <a:off x="0" y="0"/>
+          <a:ext cx="0" cy="0"/>
+          <a:chOff x="0" y="0"/>
+          <a:chExt cx="0" cy="0"/>
+        </a:xfrm>
+      </p:grpSpPr>
+      <p:grpSp>
+        <p:nvGrpSpPr>
+          <p:cNvPr id="4" name="Group 3"/>
+          <p:cNvGrpSpPr/>
+          <p:nvPr/>
+        </p:nvGrpSpPr>
+        <p:grpSpPr>
+          <a:xfrm>
+            <a:off x="1143000" y="857251"/>
+            <a:ext cx="6858000" cy="633009"/>
+            <a:chOff x="0" y="1"/>
+            <a:chExt cx="9144000" cy="844012"/>
+          </a:xfrm>
+        </p:grpSpPr>
+        <p:cxnSp>
+          <p:nvCxnSpPr>
+            <p:cNvPr id="5" name="Straight Connector 4"/>
+            <p:cNvCxnSpPr/>
+            <p:nvPr/>
+          </p:nvCxnSpPr>
+          <p:spPr>
+            <a:xfrm>
+              <a:off x="0" y="844013"/>
+              <a:ext cx="9144000" cy="0"/>
+            </a:xfrm>
+            <a:prstGeom prst="line">
+              <a:avLst/>
+            </a:prstGeom>
+            <a:ln>
+              <a:solidFill>
+                <a:schemeClr val="tx1"/>
+              </a:solidFill>
+            </a:ln>
+            <a:effectLst/>
+          </p:spPr>
+          <p:style>
+            <a:lnRef idx="2">
+              <a:schemeClr val="accent1"/>
+            </a:lnRef>
+            <a:fillRef idx="0">
+              <a:schemeClr val="accent1"/>
+            </a:fillRef>
+            <a:effectRef idx="1">
+              <a:schemeClr val="accent1"/>
+            </a:effectRef>
+            <a:fontRef idx="minor">
+              <a:schemeClr val="tx1"/>
+            </a:fontRef>
+          </p:style>
+        </p:cxnSp>
+        <p:pic>
+          <p:nvPicPr>
+            <p:cNvPr id="6" name="Picture 5" descr="Screen Shot 2015-10-11 at 11.16.20 AM.png"/>
+            <p:cNvPicPr>
+              <a:picLocks noChangeAspect="1"/>
+            </p:cNvPicPr>
+            <p:nvPr/>
+          </p:nvPicPr>
+          <p:blipFill>
+            <a:blip r:embed="rId2" cstate="print">
+              <a:extLst>
+                <a:ext uri="{28A0092B-C50C-407E-A947-70E740481C1C}">
+                  <a14:useLocalDpi xmlns:a14="http://schemas.microsoft.com/office/drawing/2010/main" val="0"/>
+                </a:ext>
+              </a:extLst>
+            </a:blip>
+            <a:stretch>
+              <a:fillRect/>
+            </a:stretch>
+          </p:blipFill>
+          <p:spPr>
+            <a:xfrm>
+              <a:off x="0" y="1"/>
+              <a:ext cx="1151748" cy="844012"/>
+            </a:xfrm>
+            <a:prstGeom prst="rect">
+              <a:avLst/>
+            </a:prstGeom>
+          </p:spPr>
+        </p:pic>
+        <p:sp>
+          <p:nvSpPr>
+            <p:cNvPr id="7" name="Rectangle 6"/>
+            <p:cNvSpPr/>
+            <p:nvPr/>
+          </p:nvSpPr>
+          <p:spPr>
+            <a:xfrm>
+              <a:off x="1151748" y="2283"/>
+              <a:ext cx="7992252" cy="832104"/>
+            </a:xfrm>
+            <a:prstGeom prst="rect">
+              <a:avLst/>
+            </a:prstGeom>
+            <a:solidFill>
+              <a:schemeClr val="tx1"/>
+            </a:solidFill>
+            <a:ln>
+              <a:solidFill>
+                <a:schemeClr val="tx1"/>
+              </a:solidFill>
+            </a:ln>
+            <a:effectLst/>
+          </p:spPr>
+          <p:style>
+            <a:lnRef idx="1">
+              <a:schemeClr val="accent1"/>
+            </a:lnRef>
+            <a:fillRef idx="3">
+              <a:schemeClr val="accent1"/>
+            </a:fillRef>
+            <a:effectRef idx="2">
+              <a:schemeClr val="accent1"/>
+            </a:effectRef>
+            <a:fontRef idx="minor">
+              <a:schemeClr val="lt1"/>
+            </a:fontRef>
+          </p:style>
+          <p:txBody>
+            <a:bodyPr rtlCol="0" anchor="ctr"/>
+            <a:lstStyle/>
+            <a:p>
+              <a:pPr algn="ctr"/>
+              <a:endParaRPr lang="en-US" sz="1350"/>
+            </a:p>
+          </p:txBody>
+        </p:sp>
+        <p:pic>
+          <p:nvPicPr>
+            <p:cNvPr id="8" name="Picture 7"/>
+            <p:cNvPicPr>
+              <a:picLocks noChangeAspect="1"/>
+            </p:cNvPicPr>
+            <p:nvPr/>
+          </p:nvPicPr>
+          <p:blipFill>
+            <a:blip r:embed="rId3"/>
+            <a:stretch>
+              <a:fillRect/>
+            </a:stretch>
+          </p:blipFill>
+          <p:spPr>
+            <a:xfrm>
+              <a:off x="8311013" y="2283"/>
+              <a:ext cx="832987" cy="832987"/>
+            </a:xfrm>
+            <a:prstGeom prst="rect">
+              <a:avLst/>
+            </a:prstGeom>
+          </p:spPr>
+        </p:pic>
+        <p:sp>
+          <p:nvSpPr>
+            <p:cNvPr id="9" name="TextBox 8"/>
+            <p:cNvSpPr txBox="1"/>
+            <p:nvPr/>
+          </p:nvSpPr>
+          <p:spPr>
+            <a:xfrm>
+              <a:off x="1202040" y="188621"/>
+              <a:ext cx="6983237" cy="492443"/>
+            </a:xfrm>
+            <a:prstGeom prst="rect">
+              <a:avLst/>
+            </a:prstGeom>
+            <a:noFill/>
+          </p:spPr>
+          <p:txBody>
+            <a:bodyPr wrap="square" rtlCol="0">
+              <a:spAutoFit/>
+            </a:bodyPr>
+            <a:lstStyle/>
+            <a:p>
+              <a:pPr algn="ctr"/>
+              <a:r>
+                <a:rPr lang="en-US" dirty="0" err="1">
+                  <a:solidFill>
+                    <a:srgbClr val="FFFFFF"/>
+                  </a:solidFill>
+                  <a:latin typeface="Candara"/>
+                  <a:cs typeface="Candara"/>
+                </a:rPr>
+                <a:t>FlyNet</a:t>
+              </a:r>
+              <a:r>
+                <a:rPr lang="en-US" dirty="0">
+                  <a:solidFill>
+                    <a:srgbClr val="FFFFFF"/>
+                  </a:solidFill>
+                  <a:latin typeface="Candara"/>
+                  <a:cs typeface="Candara"/>
+                </a:rPr>
+                <a:t>: Autonomous </a:t>
+              </a:r>
+              <a:r>
+                <a:rPr lang="en-US" dirty="0" err="1">
+                  <a:solidFill>
+                    <a:srgbClr val="FFFFFF"/>
+                  </a:solidFill>
+                  <a:latin typeface="Candara"/>
+                  <a:cs typeface="Candara"/>
+                </a:rPr>
+                <a:t>Quadcopter</a:t>
+              </a:r>
+              <a:r>
+                <a:rPr lang="en-US" dirty="0">
+                  <a:solidFill>
+                    <a:srgbClr val="FFFFFF"/>
+                  </a:solidFill>
+                  <a:latin typeface="Candara"/>
+                  <a:cs typeface="Candara"/>
+                </a:rPr>
+                <a:t> Search and Rescue</a:t>
+              </a:r>
+            </a:p>
+          </p:txBody>
+        </p:sp>
+      </p:grpSp>
+      <p:sp>
+        <p:nvSpPr>
+          <p:cNvPr id="2" name="Title 1"/>
+          <p:cNvSpPr>
+            <a:spLocks noGrp="1"/>
+          </p:cNvSpPr>
+          <p:nvPr>
+            <p:ph type="title"/>
+          </p:nvPr>
+        </p:nvSpPr>
+        <p:spPr>
+          <a:xfrm>
+            <a:off x="628650" y="1496818"/>
+            <a:ext cx="7886700" cy="514154"/>
+          </a:xfrm>
+        </p:spPr>
+        <p:txBody>
+          <a:bodyPr>
+            <a:normAutofit/>
+          </a:bodyPr>
+          <a:lstStyle/>
+          <a:p>
+            <a:pPr algn="ctr"/>
+            <a:r>
+              <a:rPr lang="en-US" sz="2700" dirty="0"/>
+              <a:t>Pixhawk – Off-board Computer Interface</a:t>
+            </a:r>
+            <a:endParaRPr lang="en-US" sz="2700" dirty="0"/>
+          </a:p>
+        </p:txBody>
+      </p:sp>
+      <p:sp>
+        <p:nvSpPr>
+          <p:cNvPr id="10" name="Rectangle 9"/>
+          <p:cNvSpPr/>
+          <p:nvPr/>
+        </p:nvSpPr>
+        <p:spPr>
+          <a:xfrm>
+            <a:off x="1143000" y="2539041"/>
+            <a:ext cx="2444905" cy="2935342"/>
+          </a:xfrm>
+          <a:prstGeom prst="rect">
+            <a:avLst/>
+          </a:prstGeom>
+        </p:spPr>
+        <p:style>
+          <a:lnRef idx="2">
+            <a:schemeClr val="dk1"/>
+          </a:lnRef>
+          <a:fillRef idx="1">
+            <a:schemeClr val="lt1"/>
+          </a:fillRef>
+          <a:effectRef idx="0">
+            <a:schemeClr val="dk1"/>
+          </a:effectRef>
+          <a:fontRef idx="minor">
+            <a:schemeClr val="dk1"/>
+          </a:fontRef>
+        </p:style>
+        <p:txBody>
+          <a:bodyPr rtlCol="0" anchor="ctr"/>
+          <a:lstStyle/>
+          <a:p>
+            <a:pPr algn="ctr"/>
+            <a:endParaRPr lang="en-US" sz="1350"/>
+          </a:p>
+        </p:txBody>
+      </p:sp>
+      <p:sp>
+        <p:nvSpPr>
+          <p:cNvPr id="11" name="Rectangle 10"/>
+          <p:cNvSpPr/>
+          <p:nvPr/>
+        </p:nvSpPr>
+        <p:spPr>
+          <a:xfrm>
+            <a:off x="1228028" y="3343580"/>
+            <a:ext cx="2274849" cy="261515"/>
+          </a:xfrm>
+          <a:prstGeom prst="rect">
+            <a:avLst/>
+          </a:prstGeom>
+        </p:spPr>
+        <p:style>
+          <a:lnRef idx="1">
+            <a:schemeClr val="dk1"/>
+          </a:lnRef>
+          <a:fillRef idx="2">
+            <a:schemeClr val="dk1"/>
+          </a:fillRef>
+          <a:effectRef idx="1">
+            <a:schemeClr val="dk1"/>
+          </a:effectRef>
+          <a:fontRef idx="minor">
+            <a:schemeClr val="dk1"/>
+          </a:fontRef>
+        </p:style>
+        <p:txBody>
+          <a:bodyPr rtlCol="0" anchor="ctr"/>
+          <a:lstStyle/>
+          <a:p>
+            <a:pPr algn="ctr"/>
+            <a:r>
+              <a:rPr lang="en-US" sz="1350" dirty="0" err="1"/>
+              <a:t>uORB</a:t>
+            </a:r>
+            <a:r>
+              <a:rPr lang="en-US" sz="1350" dirty="0"/>
+              <a:t> publish/</a:t>
+            </a:r>
+            <a:r>
+              <a:rPr lang="en-US" sz="1350" dirty="0" err="1"/>
+              <a:t>subcribe</a:t>
+            </a:r>
+            <a:r>
+              <a:rPr lang="en-US" sz="1350" dirty="0"/>
+              <a:t> bus</a:t>
+            </a:r>
+            <a:endParaRPr lang="en-US" sz="1350" dirty="0"/>
+          </a:p>
+        </p:txBody>
+      </p:sp>
+      <p:sp>
+        <p:nvSpPr>
+          <p:cNvPr id="12" name="Rectangle 11"/>
+          <p:cNvSpPr/>
+          <p:nvPr/>
+        </p:nvSpPr>
+        <p:spPr>
+          <a:xfrm>
+            <a:off x="1228028" y="2654872"/>
+            <a:ext cx="1063548" cy="568712"/>
+          </a:xfrm>
+          <a:prstGeom prst="rect">
+            <a:avLst/>
+          </a:prstGeom>
+        </p:spPr>
+        <p:style>
+          <a:lnRef idx="1">
+            <a:schemeClr val="accent6"/>
+          </a:lnRef>
+          <a:fillRef idx="2">
+            <a:schemeClr val="accent6"/>
+          </a:fillRef>
+          <a:effectRef idx="1">
+            <a:schemeClr val="accent6"/>
+          </a:effectRef>
+          <a:fontRef idx="minor">
+            <a:schemeClr val="dk1"/>
+          </a:fontRef>
+        </p:style>
+        <p:txBody>
+          <a:bodyPr rtlCol="0" anchor="ctr"/>
+          <a:lstStyle/>
+          <a:p>
+            <a:pPr algn="ctr"/>
+            <a:r>
+              <a:rPr lang="en-US" sz="1350" dirty="0"/>
+              <a:t>Actuator &amp; Sensor Interface</a:t>
+            </a:r>
+            <a:endParaRPr lang="en-US" sz="1350" dirty="0"/>
+          </a:p>
+        </p:txBody>
+      </p:sp>
+      <p:sp>
+        <p:nvSpPr>
+          <p:cNvPr id="13" name="Rectangle 12"/>
+          <p:cNvSpPr/>
+          <p:nvPr/>
+        </p:nvSpPr>
+        <p:spPr>
+          <a:xfrm>
+            <a:off x="2407966" y="2654871"/>
+            <a:ext cx="1094911" cy="568713"/>
+          </a:xfrm>
+          <a:prstGeom prst="rect">
+            <a:avLst/>
+          </a:prstGeom>
+        </p:spPr>
+        <p:style>
+          <a:lnRef idx="1">
+            <a:schemeClr val="accent6"/>
+          </a:lnRef>
+          <a:fillRef idx="2">
+            <a:schemeClr val="accent6"/>
+          </a:fillRef>
+          <a:effectRef idx="1">
+            <a:schemeClr val="accent6"/>
+          </a:effectRef>
+          <a:fontRef idx="minor">
+            <a:schemeClr val="dk1"/>
+          </a:fontRef>
+        </p:style>
+        <p:txBody>
+          <a:bodyPr rtlCol="0" anchor="ctr"/>
+          <a:lstStyle/>
+          <a:p>
+            <a:pPr algn="ctr"/>
+            <a:r>
+              <a:rPr lang="en-US" sz="1350" dirty="0"/>
+              <a:t>Safety Controller</a:t>
+            </a:r>
+            <a:endParaRPr lang="en-US" sz="1350" dirty="0"/>
+          </a:p>
+        </p:txBody>
+      </p:sp>
+      <p:sp>
+        <p:nvSpPr>
+          <p:cNvPr id="14" name="Rectangle 13"/>
+          <p:cNvSpPr/>
+          <p:nvPr/>
+        </p:nvSpPr>
+        <p:spPr>
+          <a:xfrm>
+            <a:off x="1228028" y="3842857"/>
+            <a:ext cx="1063548" cy="666007"/>
+          </a:xfrm>
+          <a:prstGeom prst="rect">
+            <a:avLst/>
+          </a:prstGeom>
+        </p:spPr>
+        <p:style>
+          <a:lnRef idx="1">
+            <a:schemeClr val="accent1"/>
+          </a:lnRef>
+          <a:fillRef idx="2">
+            <a:schemeClr val="accent1"/>
+          </a:fillRef>
+          <a:effectRef idx="1">
+            <a:schemeClr val="accent1"/>
+          </a:effectRef>
+          <a:fontRef idx="minor">
+            <a:schemeClr val="dk1"/>
+          </a:fontRef>
+        </p:style>
+        <p:txBody>
+          <a:bodyPr rtlCol="0" anchor="ctr"/>
+          <a:lstStyle/>
+          <a:p>
+            <a:pPr algn="ctr"/>
+            <a:r>
+              <a:rPr lang="en-US" sz="1350" dirty="0"/>
+              <a:t>Local NED Subscriber</a:t>
+            </a:r>
+            <a:endParaRPr lang="en-US" sz="1350" dirty="0"/>
+          </a:p>
+        </p:txBody>
+      </p:sp>
+      <p:sp>
+        <p:nvSpPr>
+          <p:cNvPr id="16" name="Rectangle 15"/>
+          <p:cNvSpPr/>
+          <p:nvPr/>
+        </p:nvSpPr>
+        <p:spPr>
+          <a:xfrm>
+            <a:off x="1228028" y="4711421"/>
+            <a:ext cx="2274849" cy="237762"/>
+          </a:xfrm>
+          <a:prstGeom prst="rect">
+            <a:avLst/>
+          </a:prstGeom>
+        </p:spPr>
+        <p:style>
+          <a:lnRef idx="1">
+            <a:schemeClr val="accent6"/>
+          </a:lnRef>
+          <a:fillRef idx="2">
+            <a:schemeClr val="accent6"/>
+          </a:fillRef>
+          <a:effectRef idx="1">
+            <a:schemeClr val="accent6"/>
+          </a:effectRef>
+          <a:fontRef idx="minor">
+            <a:schemeClr val="dk1"/>
+          </a:fontRef>
+        </p:style>
+        <p:txBody>
+          <a:bodyPr rtlCol="0" anchor="ctr"/>
+          <a:lstStyle/>
+          <a:p>
+            <a:pPr algn="ctr"/>
+            <a:r>
+              <a:rPr lang="en-US" sz="1350" dirty="0"/>
+              <a:t>Position Controller</a:t>
+            </a:r>
+            <a:endParaRPr lang="en-US" sz="1350" dirty="0"/>
+          </a:p>
+        </p:txBody>
+      </p:sp>
+      <p:sp>
+        <p:nvSpPr>
+          <p:cNvPr id="17" name="Rectangle 16"/>
+          <p:cNvSpPr/>
+          <p:nvPr/>
+        </p:nvSpPr>
+        <p:spPr>
+          <a:xfrm>
+            <a:off x="1228028" y="5122371"/>
+            <a:ext cx="2274849" cy="237762"/>
+          </a:xfrm>
+          <a:prstGeom prst="rect">
+            <a:avLst/>
+          </a:prstGeom>
+        </p:spPr>
+        <p:style>
+          <a:lnRef idx="1">
+            <a:schemeClr val="accent6"/>
+          </a:lnRef>
+          <a:fillRef idx="2">
+            <a:schemeClr val="accent6"/>
+          </a:fillRef>
+          <a:effectRef idx="1">
+            <a:schemeClr val="accent6"/>
+          </a:effectRef>
+          <a:fontRef idx="minor">
+            <a:schemeClr val="dk1"/>
+          </a:fontRef>
+        </p:style>
+        <p:txBody>
+          <a:bodyPr rtlCol="0" anchor="ctr"/>
+          <a:lstStyle/>
+          <a:p>
+            <a:pPr algn="ctr"/>
+            <a:r>
+              <a:rPr lang="en-US" sz="1350" dirty="0"/>
+              <a:t>Attitude Controller</a:t>
+            </a:r>
+            <a:endParaRPr lang="en-US" sz="1350" dirty="0"/>
+          </a:p>
+        </p:txBody>
+      </p:sp>
+      <p:sp>
+        <p:nvSpPr>
+          <p:cNvPr id="18" name="Rectangle 17"/>
+          <p:cNvSpPr/>
+          <p:nvPr/>
+        </p:nvSpPr>
+        <p:spPr>
+          <a:xfrm>
+            <a:off x="2401406" y="3842857"/>
+            <a:ext cx="1063548" cy="666007"/>
+          </a:xfrm>
+          <a:prstGeom prst="rect">
+            <a:avLst/>
+          </a:prstGeom>
+        </p:spPr>
+        <p:style>
+          <a:lnRef idx="1">
+            <a:schemeClr val="accent2"/>
+          </a:lnRef>
+          <a:fillRef idx="2">
+            <a:schemeClr val="accent2"/>
+          </a:fillRef>
+          <a:effectRef idx="1">
+            <a:schemeClr val="accent2"/>
+          </a:effectRef>
+          <a:fontRef idx="minor">
+            <a:schemeClr val="dk1"/>
+          </a:fontRef>
+        </p:style>
+        <p:txBody>
+          <a:bodyPr rtlCol="0" anchor="ctr"/>
+          <a:lstStyle/>
+          <a:p>
+            <a:pPr algn="ctr"/>
+            <a:r>
+              <a:rPr lang="en-US" sz="1350" dirty="0"/>
+              <a:t>Planner Generated Set point</a:t>
+            </a:r>
+            <a:endParaRPr lang="en-US" sz="1350" dirty="0"/>
+          </a:p>
+        </p:txBody>
+      </p:sp>
+      <p:cxnSp>
+        <p:nvCxnSpPr>
+          <p:cNvPr id="24" name="Straight Arrow Connector 23"/>
+          <p:cNvCxnSpPr/>
+          <p:nvPr/>
+        </p:nvCxnSpPr>
+        <p:spPr>
+          <a:xfrm>
+            <a:off x="2933180" y="3617704"/>
+            <a:ext cx="0" cy="225153"/>
+          </a:xfrm>
+          <a:prstGeom prst="straightConnector1">
+            <a:avLst/>
+          </a:prstGeom>
+          <a:ln>
+            <a:tailEnd type="triangle"/>
+          </a:ln>
+        </p:spPr>
+        <p:style>
+          <a:lnRef idx="1">
+            <a:schemeClr val="dk1"/>
+          </a:lnRef>
+          <a:fillRef idx="0">
+            <a:schemeClr val="dk1"/>
+          </a:fillRef>
+          <a:effectRef idx="0">
+            <a:schemeClr val="dk1"/>
+          </a:effectRef>
+          <a:fontRef idx="minor">
+            <a:schemeClr val="tx1"/>
+          </a:fontRef>
+        </p:style>
+      </p:cxnSp>
+      <p:cxnSp>
+        <p:nvCxnSpPr>
+          <p:cNvPr id="25" name="Straight Arrow Connector 24"/>
+          <p:cNvCxnSpPr/>
+          <p:nvPr/>
+        </p:nvCxnSpPr>
+        <p:spPr>
+          <a:xfrm>
+            <a:off x="1746272" y="3605095"/>
+            <a:ext cx="0" cy="237762"/>
+          </a:xfrm>
+          <a:prstGeom prst="straightConnector1">
+            <a:avLst/>
+          </a:prstGeom>
+          <a:ln>
+            <a:tailEnd type="triangle"/>
+          </a:ln>
+        </p:spPr>
+        <p:style>
+          <a:lnRef idx="1">
+            <a:schemeClr val="dk1"/>
+          </a:lnRef>
+          <a:fillRef idx="0">
+            <a:schemeClr val="dk1"/>
+          </a:fillRef>
+          <a:effectRef idx="0">
+            <a:schemeClr val="dk1"/>
+          </a:effectRef>
+          <a:fontRef idx="minor">
+            <a:schemeClr val="tx1"/>
+          </a:fontRef>
+        </p:style>
+      </p:cxnSp>
+      <p:cxnSp>
+        <p:nvCxnSpPr>
+          <p:cNvPr id="26" name="Straight Arrow Connector 25"/>
+          <p:cNvCxnSpPr/>
+          <p:nvPr/>
+        </p:nvCxnSpPr>
+        <p:spPr>
+          <a:xfrm>
+            <a:off x="2933180" y="4508864"/>
+            <a:ext cx="0" cy="191338"/>
+          </a:xfrm>
+          <a:prstGeom prst="straightConnector1">
+            <a:avLst/>
+          </a:prstGeom>
+          <a:ln>
+            <a:tailEnd type="triangle"/>
+          </a:ln>
+        </p:spPr>
+        <p:style>
+          <a:lnRef idx="1">
+            <a:schemeClr val="dk1"/>
+          </a:lnRef>
+          <a:fillRef idx="0">
+            <a:schemeClr val="dk1"/>
+          </a:fillRef>
+          <a:effectRef idx="0">
+            <a:schemeClr val="dk1"/>
+          </a:effectRef>
+          <a:fontRef idx="minor">
+            <a:schemeClr val="tx1"/>
+          </a:fontRef>
+        </p:style>
+      </p:cxnSp>
+      <p:cxnSp>
+        <p:nvCxnSpPr>
+          <p:cNvPr id="28" name="Straight Arrow Connector 27"/>
+          <p:cNvCxnSpPr/>
+          <p:nvPr/>
+        </p:nvCxnSpPr>
+        <p:spPr>
+          <a:xfrm>
+            <a:off x="1746272" y="4508864"/>
+            <a:ext cx="0" cy="191338"/>
+          </a:xfrm>
+          <a:prstGeom prst="straightConnector1">
+            <a:avLst/>
+          </a:prstGeom>
+          <a:ln>
+            <a:tailEnd type="triangle"/>
+          </a:ln>
+        </p:spPr>
+        <p:style>
+          <a:lnRef idx="1">
+            <a:schemeClr val="dk1"/>
+          </a:lnRef>
+          <a:fillRef idx="0">
+            <a:schemeClr val="dk1"/>
+          </a:fillRef>
+          <a:effectRef idx="0">
+            <a:schemeClr val="dk1"/>
+          </a:effectRef>
+          <a:fontRef idx="minor">
+            <a:schemeClr val="tx1"/>
+          </a:fontRef>
+        </p:style>
+      </p:cxnSp>
+      <p:cxnSp>
+        <p:nvCxnSpPr>
+          <p:cNvPr id="30" name="Straight Arrow Connector 29"/>
+          <p:cNvCxnSpPr>
+            <a:stCxn id="16" idx="2"/>
+            <a:endCxn id="17" idx="0"/>
+          </p:cNvCxnSpPr>
+          <p:nvPr/>
+        </p:nvCxnSpPr>
+        <p:spPr>
+          <a:xfrm>
+            <a:off x="2365452" y="4949182"/>
+            <a:ext cx="0" cy="173189"/>
+          </a:xfrm>
+          <a:prstGeom prst="straightConnector1">
+            <a:avLst/>
+          </a:prstGeom>
+          <a:ln>
+            <a:tailEnd type="triangle"/>
+          </a:ln>
+        </p:spPr>
+        <p:style>
+          <a:lnRef idx="1">
+            <a:schemeClr val="dk1"/>
+          </a:lnRef>
+          <a:fillRef idx="0">
+            <a:schemeClr val="dk1"/>
+          </a:fillRef>
+          <a:effectRef idx="0">
+            <a:schemeClr val="dk1"/>
+          </a:effectRef>
+          <a:fontRef idx="minor">
+            <a:schemeClr val="tx1"/>
+          </a:fontRef>
+        </p:style>
+      </p:cxnSp>
+      <p:sp>
+        <p:nvSpPr>
+          <p:cNvPr id="33" name="Rectangle 32"/>
+          <p:cNvSpPr/>
+          <p:nvPr/>
+        </p:nvSpPr>
+        <p:spPr>
+          <a:xfrm>
+            <a:off x="5556096" y="2539041"/>
+            <a:ext cx="2444905" cy="2117912"/>
+          </a:xfrm>
+          <a:prstGeom prst="rect">
+            <a:avLst/>
+          </a:prstGeom>
+        </p:spPr>
+        <p:style>
+          <a:lnRef idx="2">
+            <a:schemeClr val="dk1"/>
+          </a:lnRef>
+          <a:fillRef idx="1">
+            <a:schemeClr val="lt1"/>
+          </a:fillRef>
+          <a:effectRef idx="0">
+            <a:schemeClr val="dk1"/>
+          </a:effectRef>
+          <a:fontRef idx="minor">
+            <a:schemeClr val="dk1"/>
+          </a:fontRef>
+        </p:style>
+        <p:txBody>
+          <a:bodyPr rtlCol="0" anchor="ctr"/>
+          <a:lstStyle/>
+          <a:p>
+            <a:pPr algn="ctr"/>
+            <a:endParaRPr lang="en-US" sz="1350"/>
+          </a:p>
+        </p:txBody>
+      </p:sp>
+      <p:sp>
+        <p:nvSpPr>
+          <p:cNvPr id="34" name="Rectangle 33"/>
+          <p:cNvSpPr/>
+          <p:nvPr/>
+        </p:nvSpPr>
+        <p:spPr>
+          <a:xfrm>
+            <a:off x="5641124" y="3343580"/>
+            <a:ext cx="2274849" cy="274124"/>
+          </a:xfrm>
+          <a:prstGeom prst="rect">
+            <a:avLst/>
+          </a:prstGeom>
+        </p:spPr>
+        <p:style>
+          <a:lnRef idx="1">
+            <a:schemeClr val="dk1"/>
+          </a:lnRef>
+          <a:fillRef idx="2">
+            <a:schemeClr val="dk1"/>
+          </a:fillRef>
+          <a:effectRef idx="1">
+            <a:schemeClr val="dk1"/>
+          </a:effectRef>
+          <a:fontRef idx="minor">
+            <a:schemeClr val="dk1"/>
+          </a:fontRef>
+        </p:style>
+        <p:txBody>
+          <a:bodyPr rtlCol="0" anchor="ctr"/>
+          <a:lstStyle/>
+          <a:p>
+            <a:pPr algn="ctr"/>
+            <a:r>
+              <a:rPr lang="en-US" sz="1350" dirty="0"/>
+              <a:t>ROS publish/subscribe bus</a:t>
+            </a:r>
+            <a:endParaRPr lang="en-US" sz="1350" dirty="0"/>
+          </a:p>
+        </p:txBody>
+      </p:sp>
+      <p:sp>
+        <p:nvSpPr>
+          <p:cNvPr id="35" name="Rectangle 34"/>
+          <p:cNvSpPr/>
+          <p:nvPr/>
+        </p:nvSpPr>
+        <p:spPr>
+          <a:xfrm>
+            <a:off x="5641124" y="2654872"/>
+            <a:ext cx="1063548" cy="568712"/>
+          </a:xfrm>
+          <a:prstGeom prst="rect">
+            <a:avLst/>
+          </a:prstGeom>
+        </p:spPr>
+        <p:style>
+          <a:lnRef idx="1">
+            <a:schemeClr val="accent2"/>
+          </a:lnRef>
+          <a:fillRef idx="2">
+            <a:schemeClr val="accent2"/>
+          </a:fillRef>
+          <a:effectRef idx="1">
+            <a:schemeClr val="accent2"/>
+          </a:effectRef>
+          <a:fontRef idx="minor">
+            <a:schemeClr val="dk1"/>
+          </a:fontRef>
+        </p:style>
+        <p:txBody>
+          <a:bodyPr rtlCol="0" anchor="ctr"/>
+          <a:lstStyle/>
+          <a:p>
+            <a:pPr algn="ctr"/>
+            <a:r>
+              <a:rPr lang="en-US" sz="1350" dirty="0"/>
+              <a:t>SLAM</a:t>
+            </a:r>
+            <a:endParaRPr lang="en-US" sz="1350" dirty="0"/>
+          </a:p>
+        </p:txBody>
+      </p:sp>
+      <p:sp>
+        <p:nvSpPr>
+          <p:cNvPr id="36" name="Rectangle 35"/>
+          <p:cNvSpPr/>
+          <p:nvPr/>
+        </p:nvSpPr>
+        <p:spPr>
+          <a:xfrm>
+            <a:off x="6821062" y="2654871"/>
+            <a:ext cx="1094911" cy="568713"/>
+          </a:xfrm>
+          <a:prstGeom prst="rect">
+            <a:avLst/>
+          </a:prstGeom>
+        </p:spPr>
+        <p:style>
+          <a:lnRef idx="1">
+            <a:schemeClr val="accent1"/>
+          </a:lnRef>
+          <a:fillRef idx="2">
+            <a:schemeClr val="accent1"/>
+          </a:fillRef>
+          <a:effectRef idx="1">
+            <a:schemeClr val="accent1"/>
+          </a:effectRef>
+          <a:fontRef idx="minor">
+            <a:schemeClr val="dk1"/>
+          </a:fontRef>
+        </p:style>
+        <p:txBody>
+          <a:bodyPr rtlCol="0" anchor="ctr"/>
+          <a:lstStyle/>
+          <a:p>
+            <a:pPr algn="ctr"/>
+            <a:r>
+              <a:rPr lang="en-US" sz="1350" dirty="0"/>
+              <a:t>Obstacle Avoidance</a:t>
+            </a:r>
+            <a:endParaRPr lang="en-US" sz="1350" dirty="0"/>
+          </a:p>
+        </p:txBody>
+      </p:sp>
+      <p:sp>
+        <p:nvSpPr>
+          <p:cNvPr id="37" name="Rectangle 36"/>
+          <p:cNvSpPr/>
+          <p:nvPr/>
+        </p:nvSpPr>
+        <p:spPr>
+          <a:xfrm>
+            <a:off x="5641124" y="3842857"/>
+            <a:ext cx="1063548" cy="666007"/>
+          </a:xfrm>
+          <a:prstGeom prst="rect">
+            <a:avLst/>
+          </a:prstGeom>
+        </p:spPr>
+        <p:style>
+          <a:lnRef idx="1">
+            <a:schemeClr val="accent1"/>
+          </a:lnRef>
+          <a:fillRef idx="2">
+            <a:schemeClr val="accent1"/>
+          </a:fillRef>
+          <a:effectRef idx="1">
+            <a:schemeClr val="accent1"/>
+          </a:effectRef>
+          <a:fontRef idx="minor">
+            <a:schemeClr val="dk1"/>
+          </a:fontRef>
+        </p:style>
+        <p:txBody>
+          <a:bodyPr rtlCol="0" anchor="ctr"/>
+          <a:lstStyle/>
+          <a:p>
+            <a:pPr algn="ctr"/>
+            <a:r>
+              <a:rPr lang="en-US" sz="1350" dirty="0"/>
+              <a:t>Local NED Publisher</a:t>
+            </a:r>
+            <a:endParaRPr lang="en-US" sz="1350" dirty="0"/>
+          </a:p>
+        </p:txBody>
+      </p:sp>
+      <p:sp>
+        <p:nvSpPr>
+          <p:cNvPr id="40" name="Rectangle 39"/>
+          <p:cNvSpPr/>
+          <p:nvPr/>
+        </p:nvSpPr>
+        <p:spPr>
+          <a:xfrm>
+            <a:off x="6814502" y="3842857"/>
+            <a:ext cx="1063548" cy="666007"/>
+          </a:xfrm>
+          <a:prstGeom prst="rect">
+            <a:avLst/>
+          </a:prstGeom>
+        </p:spPr>
+        <p:style>
+          <a:lnRef idx="1">
+            <a:schemeClr val="accent1"/>
+          </a:lnRef>
+          <a:fillRef idx="2">
+            <a:schemeClr val="accent1"/>
+          </a:fillRef>
+          <a:effectRef idx="1">
+            <a:schemeClr val="accent1"/>
+          </a:effectRef>
+          <a:fontRef idx="minor">
+            <a:schemeClr val="dk1"/>
+          </a:fontRef>
+        </p:style>
+        <p:txBody>
+          <a:bodyPr rtlCol="0" anchor="ctr"/>
+          <a:lstStyle/>
+          <a:p>
+            <a:pPr algn="ctr"/>
+            <a:r>
+              <a:rPr lang="en-US" sz="1350" dirty="0"/>
+              <a:t>Path</a:t>
+            </a:r>
+          </a:p>
+          <a:p>
+            <a:pPr algn="ctr"/>
+            <a:r>
+              <a:rPr lang="en-US" sz="1350" dirty="0"/>
+              <a:t> Planner</a:t>
+            </a:r>
+            <a:endParaRPr lang="en-US" sz="1350" dirty="0"/>
+          </a:p>
+        </p:txBody>
+      </p:sp>
+      <p:cxnSp>
+        <p:nvCxnSpPr>
+          <p:cNvPr id="49" name="Straight Arrow Connector 48"/>
+          <p:cNvCxnSpPr>
+            <a:stCxn id="37" idx="0"/>
+          </p:cNvCxnSpPr>
+          <p:nvPr/>
+        </p:nvCxnSpPr>
+        <p:spPr>
+          <a:xfrm flipV="1">
+            <a:off x="6172898" y="3617705"/>
+            <a:ext cx="7666" cy="225152"/>
+          </a:xfrm>
+          <a:prstGeom prst="straightConnector1">
+            <a:avLst/>
+          </a:prstGeom>
+          <a:ln>
+            <a:tailEnd type="triangle"/>
+          </a:ln>
+        </p:spPr>
+        <p:style>
+          <a:lnRef idx="1">
+            <a:schemeClr val="dk1"/>
+          </a:lnRef>
+          <a:fillRef idx="0">
+            <a:schemeClr val="dk1"/>
+          </a:fillRef>
+          <a:effectRef idx="0">
+            <a:schemeClr val="dk1"/>
+          </a:effectRef>
+          <a:fontRef idx="minor">
+            <a:schemeClr val="tx1"/>
+          </a:fontRef>
+        </p:style>
+      </p:cxnSp>
+      <p:cxnSp>
+        <p:nvCxnSpPr>
+          <p:cNvPr id="52" name="Straight Arrow Connector 51"/>
+          <p:cNvCxnSpPr/>
+          <p:nvPr/>
+        </p:nvCxnSpPr>
+        <p:spPr>
+          <a:xfrm flipV="1">
+            <a:off x="7321474" y="3617044"/>
+            <a:ext cx="7666" cy="225152"/>
+          </a:xfrm>
+          <a:prstGeom prst="straightConnector1">
+            <a:avLst/>
+          </a:prstGeom>
+          <a:ln>
+            <a:tailEnd type="triangle"/>
+          </a:ln>
+        </p:spPr>
+        <p:style>
+          <a:lnRef idx="1">
+            <a:schemeClr val="dk1"/>
+          </a:lnRef>
+          <a:fillRef idx="0">
+            <a:schemeClr val="dk1"/>
+          </a:fillRef>
+          <a:effectRef idx="0">
+            <a:schemeClr val="dk1"/>
+          </a:effectRef>
+          <a:fontRef idx="minor">
+            <a:schemeClr val="tx1"/>
+          </a:fontRef>
+        </p:style>
+      </p:cxnSp>
+      <p:cxnSp>
+        <p:nvCxnSpPr>
+          <p:cNvPr id="58" name="Straight Arrow Connector 57"/>
+          <p:cNvCxnSpPr/>
+          <p:nvPr/>
+        </p:nvCxnSpPr>
+        <p:spPr>
+          <a:xfrm>
+            <a:off x="3587905" y="3480641"/>
+            <a:ext cx="1968191" cy="0"/>
+          </a:xfrm>
+          <a:prstGeom prst="straightConnector1">
+            <a:avLst/>
+          </a:prstGeom>
+          <a:ln>
+            <a:headEnd type="triangle"/>
+            <a:tailEnd type="triangle"/>
+          </a:ln>
+        </p:spPr>
+        <p:style>
+          <a:lnRef idx="1">
+            <a:schemeClr val="dk1"/>
+          </a:lnRef>
+          <a:fillRef idx="0">
+            <a:schemeClr val="dk1"/>
+          </a:fillRef>
+          <a:effectRef idx="0">
+            <a:schemeClr val="dk1"/>
+          </a:effectRef>
+          <a:fontRef idx="minor">
+            <a:schemeClr val="tx1"/>
+          </a:fontRef>
+        </p:style>
+      </p:cxnSp>
+      <p:sp>
+        <p:nvSpPr>
+          <p:cNvPr id="59" name="TextBox 58"/>
+          <p:cNvSpPr txBox="1"/>
+          <p:nvPr/>
+        </p:nvSpPr>
+        <p:spPr>
+          <a:xfrm>
+            <a:off x="4000135" y="3521963"/>
+            <a:ext cx="1194430" cy="715581"/>
+          </a:xfrm>
+          <a:prstGeom prst="rect">
+            <a:avLst/>
+          </a:prstGeom>
+          <a:noFill/>
+        </p:spPr>
+        <p:txBody>
+          <a:bodyPr wrap="none" rtlCol="0">
+            <a:spAutoFit/>
+          </a:bodyPr>
+          <a:lstStyle/>
+          <a:p>
+            <a:r>
+              <a:rPr lang="en-US" sz="1350" dirty="0"/>
+              <a:t>UART </a:t>
+            </a:r>
+            <a:r>
+              <a:rPr lang="en-US" sz="1350" dirty="0" err="1"/>
+              <a:t>MAVlink</a:t>
+            </a:r>
+            <a:endParaRPr lang="en-US" sz="1350" dirty="0"/>
+          </a:p>
+          <a:p>
+            <a:r>
+              <a:rPr lang="en-US" sz="1350" dirty="0"/>
+              <a:t>&gt;250 Hz</a:t>
+            </a:r>
+          </a:p>
+          <a:p>
+            <a:r>
+              <a:rPr lang="en-US" sz="1350" dirty="0"/>
+              <a:t>&lt; 1 </a:t>
+            </a:r>
+            <a:r>
+              <a:rPr lang="en-US" sz="1350" dirty="0" err="1"/>
+              <a:t>ms</a:t>
+            </a:r>
+            <a:r>
+              <a:rPr lang="en-US" sz="1350" dirty="0"/>
+              <a:t> latency</a:t>
+            </a:r>
+            <a:endParaRPr lang="en-US" sz="1350" dirty="0"/>
+          </a:p>
+        </p:txBody>
+      </p:sp>
+      <p:sp>
+        <p:nvSpPr>
+          <p:cNvPr id="3" name="TextBox 2"/>
+          <p:cNvSpPr txBox="1"/>
+          <p:nvPr/>
+        </p:nvSpPr>
+        <p:spPr>
+          <a:xfrm>
+            <a:off x="1007163" y="2246521"/>
+            <a:ext cx="2716578" cy="323165"/>
+          </a:xfrm>
+          <a:prstGeom prst="rect">
+            <a:avLst/>
+          </a:prstGeom>
+          <a:noFill/>
+        </p:spPr>
+        <p:txBody>
+          <a:bodyPr wrap="none" rtlCol="0">
+            <a:spAutoFit/>
+          </a:bodyPr>
+          <a:lstStyle/>
+          <a:p>
+            <a:pPr algn="ctr"/>
+            <a:r>
+              <a:rPr lang="en-US" sz="1500" b="1" dirty="0"/>
+              <a:t>Embedded Controller (Pixhawk)</a:t>
+            </a:r>
+            <a:endParaRPr lang="en-US" sz="1500" b="1" dirty="0"/>
+          </a:p>
+        </p:txBody>
+      </p:sp>
+      <p:sp>
+        <p:nvSpPr>
+          <p:cNvPr id="41" name="TextBox 40"/>
+          <p:cNvSpPr txBox="1"/>
+          <p:nvPr/>
+        </p:nvSpPr>
+        <p:spPr>
+          <a:xfrm>
+            <a:off x="5574115" y="2244603"/>
+            <a:ext cx="2408866" cy="323165"/>
+          </a:xfrm>
+          <a:prstGeom prst="rect">
+            <a:avLst/>
+          </a:prstGeom>
+          <a:noFill/>
+        </p:spPr>
+        <p:txBody>
+          <a:bodyPr wrap="none" rtlCol="0">
+            <a:spAutoFit/>
+          </a:bodyPr>
+          <a:lstStyle/>
+          <a:p>
+            <a:pPr algn="ctr"/>
+            <a:r>
+              <a:rPr lang="en-US" sz="1500" b="1" dirty="0"/>
+              <a:t>Linux Companion Computer</a:t>
+            </a:r>
+            <a:endParaRPr lang="en-US" sz="1500" b="1" dirty="0"/>
+          </a:p>
+        </p:txBody>
+      </p:sp>
+      <p:sp>
+        <p:nvSpPr>
+          <p:cNvPr id="38" name="Rectangle 37"/>
+          <p:cNvSpPr/>
+          <p:nvPr/>
+        </p:nvSpPr>
+        <p:spPr>
+          <a:xfrm>
+            <a:off x="5556095" y="4767139"/>
+            <a:ext cx="2444905" cy="207143"/>
+          </a:xfrm>
+          <a:prstGeom prst="rect">
+            <a:avLst/>
+          </a:prstGeom>
+        </p:spPr>
+        <p:style>
+          <a:lnRef idx="1">
+            <a:schemeClr val="accent1"/>
+          </a:lnRef>
+          <a:fillRef idx="2">
+            <a:schemeClr val="accent1"/>
+          </a:fillRef>
+          <a:effectRef idx="1">
+            <a:schemeClr val="accent1"/>
+          </a:effectRef>
+          <a:fontRef idx="minor">
+            <a:schemeClr val="dk1"/>
+          </a:fontRef>
+        </p:style>
+        <p:txBody>
+          <a:bodyPr rtlCol="0" anchor="ctr"/>
+          <a:lstStyle/>
+          <a:p>
+            <a:pPr algn="ctr"/>
+            <a:r>
+              <a:rPr lang="en-US" sz="1350" dirty="0"/>
+              <a:t>Custom</a:t>
+            </a:r>
+            <a:endParaRPr lang="en-US" sz="1350" dirty="0"/>
+          </a:p>
+        </p:txBody>
+      </p:sp>
+      <p:sp>
+        <p:nvSpPr>
+          <p:cNvPr id="39" name="Rectangle 38"/>
+          <p:cNvSpPr/>
+          <p:nvPr/>
+        </p:nvSpPr>
+        <p:spPr>
+          <a:xfrm>
+            <a:off x="5556094" y="5040688"/>
+            <a:ext cx="2444906" cy="209390"/>
+          </a:xfrm>
+          <a:prstGeom prst="rect">
+            <a:avLst/>
+          </a:prstGeom>
+        </p:spPr>
+        <p:style>
+          <a:lnRef idx="1">
+            <a:schemeClr val="accent2"/>
+          </a:lnRef>
+          <a:fillRef idx="2">
+            <a:schemeClr val="accent2"/>
+          </a:fillRef>
+          <a:effectRef idx="1">
+            <a:schemeClr val="accent2"/>
+          </a:effectRef>
+          <a:fontRef idx="minor">
+            <a:schemeClr val="dk1"/>
+          </a:fontRef>
+        </p:style>
+        <p:txBody>
+          <a:bodyPr rtlCol="0" anchor="ctr"/>
+          <a:lstStyle/>
+          <a:p>
+            <a:pPr algn="ctr"/>
+            <a:r>
+              <a:rPr lang="en-US" sz="1350" dirty="0"/>
+              <a:t>Modified</a:t>
+            </a:r>
+            <a:endParaRPr lang="en-US" sz="1350" dirty="0"/>
+          </a:p>
+        </p:txBody>
+      </p:sp>
+      <p:sp>
+        <p:nvSpPr>
+          <p:cNvPr id="42" name="Rectangle 41"/>
+          <p:cNvSpPr/>
+          <p:nvPr/>
+        </p:nvSpPr>
+        <p:spPr>
+          <a:xfrm>
+            <a:off x="5556094" y="5332280"/>
+            <a:ext cx="2444906" cy="209390"/>
+          </a:xfrm>
+          <a:prstGeom prst="rect">
+            <a:avLst/>
+          </a:prstGeom>
+        </p:spPr>
+        <p:style>
+          <a:lnRef idx="1">
+            <a:schemeClr val="accent6"/>
+          </a:lnRef>
+          <a:fillRef idx="2">
+            <a:schemeClr val="accent6"/>
+          </a:fillRef>
+          <a:effectRef idx="1">
+            <a:schemeClr val="accent6"/>
+          </a:effectRef>
+          <a:fontRef idx="minor">
+            <a:schemeClr val="dk1"/>
+          </a:fontRef>
+        </p:style>
+        <p:txBody>
+          <a:bodyPr rtlCol="0" anchor="ctr"/>
+          <a:lstStyle/>
+          <a:p>
+            <a:pPr algn="ctr"/>
+            <a:r>
+              <a:rPr lang="en-US" sz="1350" dirty="0"/>
+              <a:t>Preexisting</a:t>
+            </a:r>
+            <a:endParaRPr lang="en-US" sz="1350" dirty="0"/>
+          </a:p>
+        </p:txBody>
+      </p:sp>
+    </p:spTree>
+    <p:extLst>
+      <p:ext uri="{BB962C8B-B14F-4D97-AF65-F5344CB8AC3E}">
+        <p14:creationId xmlns:p14="http://schemas.microsoft.com/office/powerpoint/2010/main" val="1976867716"/>
+      </p:ext>
+    </p:extLst>
+  </p:cSld>
+  <p:clrMapOvr>
+    <a:masterClrMapping/>
+  </p:clrMapOvr>
+</p:sld>
+</file>
+
+<file path=ppt/slides/slide4.xml><?xml version="1.0" encoding="utf-8"?>
 <p:sld xmlns:a="http://schemas.openxmlformats.org/drawingml/2006/main" xmlns:r="http://schemas.openxmlformats.org/officeDocument/2006/relationships" xmlns:p="http://schemas.openxmlformats.org/presentationml/2006/main">
   <p:cSld>
     <p:spTree>
@@ -5236,7 +6820,7 @@
 </p:sld>
 </file>
 
-<file path=ppt/slides/slide4.xml><?xml version="1.0" encoding="utf-8"?>
+<file path=ppt/slides/slide5.xml><?xml version="1.0" encoding="utf-8"?>
 <p:sld xmlns:a="http://schemas.openxmlformats.org/drawingml/2006/main" xmlns:r="http://schemas.openxmlformats.org/officeDocument/2006/relationships" xmlns:p="http://schemas.openxmlformats.org/presentationml/2006/main">
   <p:cSld>
     <p:spTree>
@@ -5312,7 +6896,7 @@
             <p:nvPr/>
           </p:nvPicPr>
           <p:blipFill>
-            <a:blip r:embed="rId2">
+            <a:blip r:embed="rId3">
               <a:extLst>
                 <a:ext uri="{28A0092B-C50C-407E-A947-70E740481C1C}">
                   <a14:useLocalDpi xmlns:a14="http://schemas.microsoft.com/office/drawing/2010/main" val="0"/>
@@ -5389,7 +6973,7 @@
             <p:nvPr/>
           </p:nvPicPr>
           <p:blipFill>
-            <a:blip r:embed="rId3"/>
+            <a:blip r:embed="rId4"/>
             <a:stretch>
               <a:fillRect/>
             </a:stretch>
@@ -5519,7 +7103,7 @@
           </p:nvPr>
         </p:nvPicPr>
         <p:blipFill>
-          <a:blip r:embed="rId4">
+          <a:blip r:embed="rId5">
             <a:extLst>
               <a:ext uri="{28A0092B-C50C-407E-A947-70E740481C1C}">
                 <a14:useLocalDpi xmlns:a14="http://schemas.microsoft.com/office/drawing/2010/main" val="0"/>
@@ -5550,7 +7134,7 @@
 </p:sld>
 </file>
 
-<file path=ppt/slides/slide5.xml><?xml version="1.0" encoding="utf-8"?>
+<file path=ppt/slides/slide6.xml><?xml version="1.0" encoding="utf-8"?>
 <p:sld xmlns:a="http://schemas.openxmlformats.org/drawingml/2006/main" xmlns:r="http://schemas.openxmlformats.org/officeDocument/2006/relationships" xmlns:p="http://schemas.openxmlformats.org/presentationml/2006/main">
   <p:cSld>
     <p:spTree>
